--- a/2 - Approche agile/1 - Cours/5 - Docker/Introduction à Docker.pptx
+++ b/2 - Approche agile/1 - Cours/5 - Docker/Introduction à Docker.pptx
@@ -10,13 +10,14 @@
     <p:sldId id="258" r:id="rId4"/>
     <p:sldId id="259" r:id="rId5"/>
     <p:sldId id="260" r:id="rId6"/>
-    <p:sldId id="261" r:id="rId7"/>
-    <p:sldId id="262" r:id="rId8"/>
-    <p:sldId id="264" r:id="rId9"/>
-    <p:sldId id="265" r:id="rId10"/>
-    <p:sldId id="266" r:id="rId11"/>
-    <p:sldId id="267" r:id="rId12"/>
-    <p:sldId id="268" r:id="rId13"/>
+    <p:sldId id="269" r:id="rId7"/>
+    <p:sldId id="261" r:id="rId8"/>
+    <p:sldId id="262" r:id="rId9"/>
+    <p:sldId id="264" r:id="rId10"/>
+    <p:sldId id="265" r:id="rId11"/>
+    <p:sldId id="266" r:id="rId12"/>
+    <p:sldId id="267" r:id="rId13"/>
+    <p:sldId id="268" r:id="rId14"/>
   </p:sldIdLst>
   <p:sldSz cx="12192000" cy="6858000"/>
   <p:notesSz cx="6858000" cy="9144000"/>
@@ -115,6 +116,11 @@
       </a:defRPr>
     </a:lvl9pPr>
   </p:defaultTextStyle>
+  <p:extLst>
+    <p:ext uri="{EFAFB233-063F-42B5-8137-9DF3F51BA10A}">
+      <p15:sldGuideLst xmlns:p15="http://schemas.microsoft.com/office/powerpoint/2012/main"/>
+    </p:ext>
+  </p:extLst>
 </p:presentation>
 </file>
 
@@ -840,7 +846,7 @@
           <a:p>
             <a:fld id="{11C2BCEB-DCF1-4AC9-86F1-A32C52FA4664}" type="datetimeFigureOut">
               <a:rPr lang="fr-FR" smtClean="0"/>
-              <a:t>13/01/2025</a:t>
+              <a:t>03/02/2025</a:t>
             </a:fld>
             <a:endParaRPr lang="fr-FR"/>
           </a:p>
@@ -1091,7 +1097,7 @@
           <a:p>
             <a:fld id="{11C2BCEB-DCF1-4AC9-86F1-A32C52FA4664}" type="datetimeFigureOut">
               <a:rPr lang="fr-FR" smtClean="0"/>
-              <a:t>13/01/2025</a:t>
+              <a:t>03/02/2025</a:t>
             </a:fld>
             <a:endParaRPr lang="fr-FR"/>
           </a:p>
@@ -1405,7 +1411,7 @@
           <a:p>
             <a:fld id="{11C2BCEB-DCF1-4AC9-86F1-A32C52FA4664}" type="datetimeFigureOut">
               <a:rPr lang="fr-FR" smtClean="0"/>
-              <a:t>13/01/2025</a:t>
+              <a:t>03/02/2025</a:t>
             </a:fld>
             <a:endParaRPr lang="fr-FR"/>
           </a:p>
@@ -1746,7 +1752,7 @@
           <a:p>
             <a:fld id="{11C2BCEB-DCF1-4AC9-86F1-A32C52FA4664}" type="datetimeFigureOut">
               <a:rPr lang="fr-FR" smtClean="0"/>
-              <a:t>13/01/2025</a:t>
+              <a:t>03/02/2025</a:t>
             </a:fld>
             <a:endParaRPr lang="fr-FR"/>
           </a:p>
@@ -2060,7 +2066,7 @@
           <a:p>
             <a:fld id="{11C2BCEB-DCF1-4AC9-86F1-A32C52FA4664}" type="datetimeFigureOut">
               <a:rPr lang="fr-FR" smtClean="0"/>
-              <a:t>13/01/2025</a:t>
+              <a:t>03/02/2025</a:t>
             </a:fld>
             <a:endParaRPr lang="fr-FR"/>
           </a:p>
@@ -2453,7 +2459,7 @@
           <a:p>
             <a:fld id="{11C2BCEB-DCF1-4AC9-86F1-A32C52FA4664}" type="datetimeFigureOut">
               <a:rPr lang="fr-FR" smtClean="0"/>
-              <a:t>13/01/2025</a:t>
+              <a:t>03/02/2025</a:t>
             </a:fld>
             <a:endParaRPr lang="fr-FR"/>
           </a:p>
@@ -2623,7 +2629,7 @@
           <a:p>
             <a:fld id="{11C2BCEB-DCF1-4AC9-86F1-A32C52FA4664}" type="datetimeFigureOut">
               <a:rPr lang="fr-FR" smtClean="0"/>
-              <a:t>13/01/2025</a:t>
+              <a:t>03/02/2025</a:t>
             </a:fld>
             <a:endParaRPr lang="fr-FR"/>
           </a:p>
@@ -2803,7 +2809,7 @@
           <a:p>
             <a:fld id="{11C2BCEB-DCF1-4AC9-86F1-A32C52FA4664}" type="datetimeFigureOut">
               <a:rPr lang="fr-FR" smtClean="0"/>
-              <a:t>13/01/2025</a:t>
+              <a:t>03/02/2025</a:t>
             </a:fld>
             <a:endParaRPr lang="fr-FR"/>
           </a:p>
@@ -2989,7 +2995,7 @@
           <a:p>
             <a:fld id="{11C2BCEB-DCF1-4AC9-86F1-A32C52FA4664}" type="datetimeFigureOut">
               <a:rPr lang="fr-FR" smtClean="0"/>
-              <a:t>13/01/2025</a:t>
+              <a:t>03/02/2025</a:t>
             </a:fld>
             <a:endParaRPr lang="fr-FR"/>
           </a:p>
@@ -3177,7 +3183,7 @@
           <a:p>
             <a:fld id="{11C2BCEB-DCF1-4AC9-86F1-A32C52FA4664}" type="datetimeFigureOut">
               <a:rPr lang="fr-FR" smtClean="0"/>
-              <a:t>13/01/2025</a:t>
+              <a:t>03/02/2025</a:t>
             </a:fld>
             <a:endParaRPr lang="fr-FR"/>
           </a:p>
@@ -3424,7 +3430,7 @@
           <a:p>
             <a:fld id="{11C2BCEB-DCF1-4AC9-86F1-A32C52FA4664}" type="datetimeFigureOut">
               <a:rPr lang="fr-FR" smtClean="0"/>
-              <a:t>13/01/2025</a:t>
+              <a:t>03/02/2025</a:t>
             </a:fld>
             <a:endParaRPr lang="fr-FR"/>
           </a:p>
@@ -3656,7 +3662,7 @@
           <a:p>
             <a:fld id="{11C2BCEB-DCF1-4AC9-86F1-A32C52FA4664}" type="datetimeFigureOut">
               <a:rPr lang="fr-FR" smtClean="0"/>
-              <a:t>13/01/2025</a:t>
+              <a:t>03/02/2025</a:t>
             </a:fld>
             <a:endParaRPr lang="fr-FR"/>
           </a:p>
@@ -4030,7 +4036,7 @@
           <a:p>
             <a:fld id="{11C2BCEB-DCF1-4AC9-86F1-A32C52FA4664}" type="datetimeFigureOut">
               <a:rPr lang="fr-FR" smtClean="0"/>
-              <a:t>13/01/2025</a:t>
+              <a:t>03/02/2025</a:t>
             </a:fld>
             <a:endParaRPr lang="fr-FR"/>
           </a:p>
@@ -4153,7 +4159,7 @@
           <a:p>
             <a:fld id="{11C2BCEB-DCF1-4AC9-86F1-A32C52FA4664}" type="datetimeFigureOut">
               <a:rPr lang="fr-FR" smtClean="0"/>
-              <a:t>13/01/2025</a:t>
+              <a:t>03/02/2025</a:t>
             </a:fld>
             <a:endParaRPr lang="fr-FR"/>
           </a:p>
@@ -4248,7 +4254,7 @@
           <a:p>
             <a:fld id="{11C2BCEB-DCF1-4AC9-86F1-A32C52FA4664}" type="datetimeFigureOut">
               <a:rPr lang="fr-FR" smtClean="0"/>
-              <a:t>13/01/2025</a:t>
+              <a:t>03/02/2025</a:t>
             </a:fld>
             <a:endParaRPr lang="fr-FR"/>
           </a:p>
@@ -4503,7 +4509,7 @@
           <a:p>
             <a:fld id="{11C2BCEB-DCF1-4AC9-86F1-A32C52FA4664}" type="datetimeFigureOut">
               <a:rPr lang="fr-FR" smtClean="0"/>
-              <a:t>13/01/2025</a:t>
+              <a:t>03/02/2025</a:t>
             </a:fld>
             <a:endParaRPr lang="fr-FR"/>
           </a:p>
@@ -4766,7 +4772,7 @@
           <a:p>
             <a:fld id="{11C2BCEB-DCF1-4AC9-86F1-A32C52FA4664}" type="datetimeFigureOut">
               <a:rPr lang="fr-FR" smtClean="0"/>
-              <a:t>13/01/2025</a:t>
+              <a:t>03/02/2025</a:t>
             </a:fld>
             <a:endParaRPr lang="fr-FR"/>
           </a:p>
@@ -5509,7 +5515,7 @@
           <a:p>
             <a:fld id="{11C2BCEB-DCF1-4AC9-86F1-A32C52FA4664}" type="datetimeFigureOut">
               <a:rPr lang="fr-FR" smtClean="0"/>
-              <a:t>13/01/2025</a:t>
+              <a:t>03/02/2025</a:t>
             </a:fld>
             <a:endParaRPr lang="fr-FR"/>
           </a:p>
@@ -6947,6 +6953,1100 @@
     <p:bg>
       <p:bgPr>
         <a:solidFill>
+          <a:schemeClr val="bg2"/>
+        </a:solidFill>
+        <a:effectLst/>
+      </p:bgPr>
+    </p:bg>
+    <p:spTree>
+      <p:nvGrpSpPr>
+        <p:cNvPr id="1" name=""/>
+        <p:cNvGrpSpPr/>
+        <p:nvPr/>
+      </p:nvGrpSpPr>
+      <p:grpSpPr>
+        <a:xfrm>
+          <a:off x="0" y="0"/>
+          <a:ext cx="0" cy="0"/>
+          <a:chOff x="0" y="0"/>
+          <a:chExt cx="0" cy="0"/>
+        </a:xfrm>
+      </p:grpSpPr>
+      <p:grpSp>
+        <p:nvGrpSpPr>
+          <p:cNvPr id="9" name="Group 8">
+            <a:extLst>
+              <a:ext uri="{FF2B5EF4-FFF2-40B4-BE49-F238E27FC236}">
+                <a16:creationId xmlns:a16="http://schemas.microsoft.com/office/drawing/2014/main" id="{10BE40E3-5550-4CDD-B4FD-387C33EBF157}"/>
+              </a:ext>
+              <a:ext uri="{C183D7F6-B498-43B3-948B-1728B52AA6E4}">
+                <adec:decorative xmlns:adec="http://schemas.microsoft.com/office/drawing/2017/decorative" val="1"/>
+              </a:ext>
+            </a:extLst>
+          </p:cNvPr>
+          <p:cNvGrpSpPr>
+            <a:grpSpLocks noGrp="1" noUngrp="1" noRot="1" noChangeAspect="1" noMove="1" noResize="1"/>
+          </p:cNvGrpSpPr>
+          <p:nvPr>
+            <p:extLst>
+              <p:ext uri="{386F3935-93C4-4BCD-93E2-E3B085C9AB24}">
+                <p16:designElem xmlns:p16="http://schemas.microsoft.com/office/powerpoint/2015/main" val="1"/>
+              </p:ext>
+            </p:extLst>
+          </p:nvPr>
+        </p:nvGrpSpPr>
+        <p:grpSpPr>
+          <a:xfrm>
+            <a:off x="0" y="-8467"/>
+            <a:ext cx="12192000" cy="6866467"/>
+            <a:chOff x="0" y="-8467"/>
+            <a:chExt cx="12192000" cy="6866467"/>
+          </a:xfrm>
+        </p:grpSpPr>
+        <p:cxnSp>
+          <p:nvCxnSpPr>
+            <p:cNvPr id="10" name="Straight Connector 9">
+              <a:extLst>
+                <a:ext uri="{FF2B5EF4-FFF2-40B4-BE49-F238E27FC236}">
+                  <a16:creationId xmlns:a16="http://schemas.microsoft.com/office/drawing/2014/main" id="{71A6B738-E50C-4653-B343-B9D6A5EA2771}"/>
+                </a:ext>
+                <a:ext uri="{C183D7F6-B498-43B3-948B-1728B52AA6E4}">
+                  <adec:decorative xmlns:adec="http://schemas.microsoft.com/office/drawing/2017/decorative" val="1"/>
+                </a:ext>
+              </a:extLst>
+            </p:cNvPr>
+            <p:cNvCxnSpPr/>
+            <p:nvPr>
+              <p:extLst>
+                <p:ext uri="{386F3935-93C4-4BCD-93E2-E3B085C9AB24}">
+                  <p16:designElem xmlns:p16="http://schemas.microsoft.com/office/powerpoint/2015/main" val="1"/>
+                </p:ext>
+              </p:extLst>
+            </p:nvPr>
+          </p:nvCxnSpPr>
+          <p:spPr>
+            <a:xfrm>
+              <a:off x="9371012" y="0"/>
+              <a:ext cx="1219200" cy="6858000"/>
+            </a:xfrm>
+            <a:prstGeom prst="line">
+              <a:avLst/>
+            </a:prstGeom>
+            <a:ln w="9525">
+              <a:solidFill>
+                <a:schemeClr val="bg1">
+                  <a:lumMod val="75000"/>
+                </a:schemeClr>
+              </a:solidFill>
+            </a:ln>
+          </p:spPr>
+          <p:style>
+            <a:lnRef idx="2">
+              <a:schemeClr val="accent1"/>
+            </a:lnRef>
+            <a:fillRef idx="0">
+              <a:schemeClr val="accent1"/>
+            </a:fillRef>
+            <a:effectRef idx="1">
+              <a:schemeClr val="accent1"/>
+            </a:effectRef>
+            <a:fontRef idx="minor">
+              <a:schemeClr val="tx1"/>
+            </a:fontRef>
+          </p:style>
+        </p:cxnSp>
+        <p:cxnSp>
+          <p:nvCxnSpPr>
+            <p:cNvPr id="11" name="Straight Connector 10">
+              <a:extLst>
+                <a:ext uri="{FF2B5EF4-FFF2-40B4-BE49-F238E27FC236}">
+                  <a16:creationId xmlns:a16="http://schemas.microsoft.com/office/drawing/2014/main" id="{498768D6-B28C-40A3-B381-39306F5816D5}"/>
+                </a:ext>
+                <a:ext uri="{C183D7F6-B498-43B3-948B-1728B52AA6E4}">
+                  <adec:decorative xmlns:adec="http://schemas.microsoft.com/office/drawing/2017/decorative" val="1"/>
+                </a:ext>
+              </a:extLst>
+            </p:cNvPr>
+            <p:cNvCxnSpPr/>
+            <p:nvPr>
+              <p:extLst>
+                <p:ext uri="{386F3935-93C4-4BCD-93E2-E3B085C9AB24}">
+                  <p16:designElem xmlns:p16="http://schemas.microsoft.com/office/powerpoint/2015/main" val="1"/>
+                </p:ext>
+              </p:extLst>
+            </p:nvPr>
+          </p:nvCxnSpPr>
+          <p:spPr>
+            <a:xfrm flipH="1">
+              <a:off x="7425267" y="3681413"/>
+              <a:ext cx="4763558" cy="3176587"/>
+            </a:xfrm>
+            <a:prstGeom prst="line">
+              <a:avLst/>
+            </a:prstGeom>
+            <a:ln w="9525">
+              <a:solidFill>
+                <a:schemeClr val="bg1">
+                  <a:lumMod val="85000"/>
+                </a:schemeClr>
+              </a:solidFill>
+            </a:ln>
+          </p:spPr>
+          <p:style>
+            <a:lnRef idx="2">
+              <a:schemeClr val="accent1"/>
+            </a:lnRef>
+            <a:fillRef idx="0">
+              <a:schemeClr val="accent1"/>
+            </a:fillRef>
+            <a:effectRef idx="1">
+              <a:schemeClr val="accent1"/>
+            </a:effectRef>
+            <a:fontRef idx="minor">
+              <a:schemeClr val="tx1"/>
+            </a:fontRef>
+          </p:style>
+        </p:cxnSp>
+        <p:sp>
+          <p:nvSpPr>
+            <p:cNvPr id="12" name="Rectangle 23">
+              <a:extLst>
+                <a:ext uri="{FF2B5EF4-FFF2-40B4-BE49-F238E27FC236}">
+                  <a16:creationId xmlns:a16="http://schemas.microsoft.com/office/drawing/2014/main" id="{B27C15B9-7795-4321-AB30-DF1DEF65C19E}"/>
+                </a:ext>
+                <a:ext uri="{C183D7F6-B498-43B3-948B-1728B52AA6E4}">
+                  <adec:decorative xmlns:adec="http://schemas.microsoft.com/office/drawing/2017/decorative" val="1"/>
+                </a:ext>
+              </a:extLst>
+            </p:cNvPr>
+            <p:cNvSpPr/>
+            <p:nvPr>
+              <p:extLst>
+                <p:ext uri="{386F3935-93C4-4BCD-93E2-E3B085C9AB24}">
+                  <p16:designElem xmlns:p16="http://schemas.microsoft.com/office/powerpoint/2015/main" val="1"/>
+                </p:ext>
+              </p:extLst>
+            </p:nvPr>
+          </p:nvSpPr>
+          <p:spPr>
+            <a:xfrm>
+              <a:off x="9181476" y="-8467"/>
+              <a:ext cx="3007349" cy="6866467"/>
+            </a:xfrm>
+            <a:custGeom>
+              <a:avLst/>
+              <a:gdLst/>
+              <a:ahLst/>
+              <a:cxnLst/>
+              <a:rect l="l" t="t" r="r" b="b"/>
+              <a:pathLst>
+                <a:path w="3007349" h="6866467">
+                  <a:moveTo>
+                    <a:pt x="2045532" y="0"/>
+                  </a:moveTo>
+                  <a:lnTo>
+                    <a:pt x="3007349" y="0"/>
+                  </a:lnTo>
+                  <a:lnTo>
+                    <a:pt x="3007349" y="6866467"/>
+                  </a:lnTo>
+                  <a:lnTo>
+                    <a:pt x="0" y="6866467"/>
+                  </a:lnTo>
+                  <a:lnTo>
+                    <a:pt x="2045532" y="0"/>
+                  </a:lnTo>
+                  <a:close/>
+                </a:path>
+              </a:pathLst>
+            </a:custGeom>
+            <a:solidFill>
+              <a:schemeClr val="accent1">
+                <a:alpha val="30000"/>
+              </a:schemeClr>
+            </a:solidFill>
+            <a:ln>
+              <a:noFill/>
+            </a:ln>
+            <a:effectLst/>
+          </p:spPr>
+          <p:style>
+            <a:lnRef idx="1">
+              <a:schemeClr val="accent1"/>
+            </a:lnRef>
+            <a:fillRef idx="3">
+              <a:schemeClr val="accent1"/>
+            </a:fillRef>
+            <a:effectRef idx="2">
+              <a:schemeClr val="accent1"/>
+            </a:effectRef>
+            <a:fontRef idx="minor">
+              <a:schemeClr val="lt1"/>
+            </a:fontRef>
+          </p:style>
+          <p:txBody>
+            <a:bodyPr/>
+            <a:lstStyle/>
+            <a:p>
+              <a:endParaRPr lang="fr-FR"/>
+            </a:p>
+          </p:txBody>
+        </p:sp>
+        <p:sp>
+          <p:nvSpPr>
+            <p:cNvPr id="13" name="Rectangle 25">
+              <a:extLst>
+                <a:ext uri="{FF2B5EF4-FFF2-40B4-BE49-F238E27FC236}">
+                  <a16:creationId xmlns:a16="http://schemas.microsoft.com/office/drawing/2014/main" id="{578EC957-1F3F-4C00-B023-C8725C2171CB}"/>
+                </a:ext>
+                <a:ext uri="{C183D7F6-B498-43B3-948B-1728B52AA6E4}">
+                  <adec:decorative xmlns:adec="http://schemas.microsoft.com/office/drawing/2017/decorative" val="1"/>
+                </a:ext>
+              </a:extLst>
+            </p:cNvPr>
+            <p:cNvSpPr/>
+            <p:nvPr>
+              <p:extLst>
+                <p:ext uri="{386F3935-93C4-4BCD-93E2-E3B085C9AB24}">
+                  <p16:designElem xmlns:p16="http://schemas.microsoft.com/office/powerpoint/2015/main" val="1"/>
+                </p:ext>
+              </p:extLst>
+            </p:nvPr>
+          </p:nvSpPr>
+          <p:spPr>
+            <a:xfrm>
+              <a:off x="9603442" y="-8467"/>
+              <a:ext cx="2588558" cy="6866467"/>
+            </a:xfrm>
+            <a:custGeom>
+              <a:avLst/>
+              <a:gdLst/>
+              <a:ahLst/>
+              <a:cxnLst/>
+              <a:rect l="l" t="t" r="r" b="b"/>
+              <a:pathLst>
+                <a:path w="2573311" h="6866467">
+                  <a:moveTo>
+                    <a:pt x="0" y="0"/>
+                  </a:moveTo>
+                  <a:lnTo>
+                    <a:pt x="2573311" y="0"/>
+                  </a:lnTo>
+                  <a:lnTo>
+                    <a:pt x="2573311" y="6866467"/>
+                  </a:lnTo>
+                  <a:lnTo>
+                    <a:pt x="1202336" y="6866467"/>
+                  </a:lnTo>
+                  <a:lnTo>
+                    <a:pt x="0" y="0"/>
+                  </a:lnTo>
+                  <a:close/>
+                </a:path>
+              </a:pathLst>
+            </a:custGeom>
+            <a:solidFill>
+              <a:schemeClr val="accent1">
+                <a:alpha val="20000"/>
+              </a:schemeClr>
+            </a:solidFill>
+            <a:ln>
+              <a:noFill/>
+            </a:ln>
+            <a:effectLst/>
+          </p:spPr>
+          <p:style>
+            <a:lnRef idx="1">
+              <a:schemeClr val="accent1"/>
+            </a:lnRef>
+            <a:fillRef idx="3">
+              <a:schemeClr val="accent1"/>
+            </a:fillRef>
+            <a:effectRef idx="2">
+              <a:schemeClr val="accent1"/>
+            </a:effectRef>
+            <a:fontRef idx="minor">
+              <a:schemeClr val="lt1"/>
+            </a:fontRef>
+          </p:style>
+          <p:txBody>
+            <a:bodyPr/>
+            <a:lstStyle/>
+            <a:p>
+              <a:endParaRPr lang="fr-FR"/>
+            </a:p>
+          </p:txBody>
+        </p:sp>
+        <p:sp>
+          <p:nvSpPr>
+            <p:cNvPr id="14" name="Isosceles Triangle 13">
+              <a:extLst>
+                <a:ext uri="{FF2B5EF4-FFF2-40B4-BE49-F238E27FC236}">
+                  <a16:creationId xmlns:a16="http://schemas.microsoft.com/office/drawing/2014/main" id="{3D642632-BBD5-46D6-A91D-9B2BF68219B7}"/>
+                </a:ext>
+                <a:ext uri="{C183D7F6-B498-43B3-948B-1728B52AA6E4}">
+                  <adec:decorative xmlns:adec="http://schemas.microsoft.com/office/drawing/2017/decorative" val="1"/>
+                </a:ext>
+              </a:extLst>
+            </p:cNvPr>
+            <p:cNvSpPr/>
+            <p:nvPr>
+              <p:extLst>
+                <p:ext uri="{386F3935-93C4-4BCD-93E2-E3B085C9AB24}">
+                  <p16:designElem xmlns:p16="http://schemas.microsoft.com/office/powerpoint/2015/main" val="1"/>
+                </p:ext>
+              </p:extLst>
+            </p:nvPr>
+          </p:nvSpPr>
+          <p:spPr>
+            <a:xfrm>
+              <a:off x="8932333" y="3048000"/>
+              <a:ext cx="3259667" cy="3810000"/>
+            </a:xfrm>
+            <a:prstGeom prst="triangle">
+              <a:avLst>
+                <a:gd name="adj" fmla="val 100000"/>
+              </a:avLst>
+            </a:prstGeom>
+            <a:solidFill>
+              <a:schemeClr val="accent2">
+                <a:alpha val="72000"/>
+              </a:schemeClr>
+            </a:solidFill>
+            <a:ln>
+              <a:noFill/>
+            </a:ln>
+            <a:effectLst/>
+          </p:spPr>
+          <p:style>
+            <a:lnRef idx="1">
+              <a:schemeClr val="accent1"/>
+            </a:lnRef>
+            <a:fillRef idx="3">
+              <a:schemeClr val="accent1"/>
+            </a:fillRef>
+            <a:effectRef idx="2">
+              <a:schemeClr val="accent1"/>
+            </a:effectRef>
+            <a:fontRef idx="minor">
+              <a:schemeClr val="lt1"/>
+            </a:fontRef>
+          </p:style>
+          <p:txBody>
+            <a:bodyPr/>
+            <a:lstStyle/>
+            <a:p>
+              <a:endParaRPr lang="fr-FR"/>
+            </a:p>
+          </p:txBody>
+        </p:sp>
+        <p:sp>
+          <p:nvSpPr>
+            <p:cNvPr id="15" name="Rectangle 27">
+              <a:extLst>
+                <a:ext uri="{FF2B5EF4-FFF2-40B4-BE49-F238E27FC236}">
+                  <a16:creationId xmlns:a16="http://schemas.microsoft.com/office/drawing/2014/main" id="{BF9D518D-AFF5-4DE2-AEE2-0EC15479A9AF}"/>
+                </a:ext>
+                <a:ext uri="{C183D7F6-B498-43B3-948B-1728B52AA6E4}">
+                  <adec:decorative xmlns:adec="http://schemas.microsoft.com/office/drawing/2017/decorative" val="1"/>
+                </a:ext>
+              </a:extLst>
+            </p:cNvPr>
+            <p:cNvSpPr/>
+            <p:nvPr>
+              <p:extLst>
+                <p:ext uri="{386F3935-93C4-4BCD-93E2-E3B085C9AB24}">
+                  <p16:designElem xmlns:p16="http://schemas.microsoft.com/office/powerpoint/2015/main" val="1"/>
+                </p:ext>
+              </p:extLst>
+            </p:nvPr>
+          </p:nvSpPr>
+          <p:spPr>
+            <a:xfrm>
+              <a:off x="9334500" y="-8467"/>
+              <a:ext cx="2854326" cy="6866467"/>
+            </a:xfrm>
+            <a:custGeom>
+              <a:avLst/>
+              <a:gdLst/>
+              <a:ahLst/>
+              <a:cxnLst/>
+              <a:rect l="l" t="t" r="r" b="b"/>
+              <a:pathLst>
+                <a:path w="2858013" h="6866467">
+                  <a:moveTo>
+                    <a:pt x="0" y="0"/>
+                  </a:moveTo>
+                  <a:lnTo>
+                    <a:pt x="2858013" y="0"/>
+                  </a:lnTo>
+                  <a:lnTo>
+                    <a:pt x="2858013" y="6866467"/>
+                  </a:lnTo>
+                  <a:lnTo>
+                    <a:pt x="2473942" y="6866467"/>
+                  </a:lnTo>
+                  <a:lnTo>
+                    <a:pt x="0" y="0"/>
+                  </a:lnTo>
+                  <a:close/>
+                </a:path>
+              </a:pathLst>
+            </a:custGeom>
+            <a:solidFill>
+              <a:schemeClr val="accent2">
+                <a:lumMod val="75000"/>
+                <a:alpha val="70000"/>
+              </a:schemeClr>
+            </a:solidFill>
+            <a:ln>
+              <a:noFill/>
+            </a:ln>
+            <a:effectLst/>
+          </p:spPr>
+          <p:style>
+            <a:lnRef idx="1">
+              <a:schemeClr val="accent1"/>
+            </a:lnRef>
+            <a:fillRef idx="3">
+              <a:schemeClr val="accent1"/>
+            </a:fillRef>
+            <a:effectRef idx="2">
+              <a:schemeClr val="accent1"/>
+            </a:effectRef>
+            <a:fontRef idx="minor">
+              <a:schemeClr val="lt1"/>
+            </a:fontRef>
+          </p:style>
+          <p:txBody>
+            <a:bodyPr/>
+            <a:lstStyle/>
+            <a:p>
+              <a:endParaRPr lang="fr-FR"/>
+            </a:p>
+          </p:txBody>
+        </p:sp>
+        <p:sp>
+          <p:nvSpPr>
+            <p:cNvPr id="16" name="Rectangle 28">
+              <a:extLst>
+                <a:ext uri="{FF2B5EF4-FFF2-40B4-BE49-F238E27FC236}">
+                  <a16:creationId xmlns:a16="http://schemas.microsoft.com/office/drawing/2014/main" id="{14EF979B-B00D-460C-BD56-7EEAFB7E0F98}"/>
+                </a:ext>
+                <a:ext uri="{C183D7F6-B498-43B3-948B-1728B52AA6E4}">
+                  <adec:decorative xmlns:adec="http://schemas.microsoft.com/office/drawing/2017/decorative" val="1"/>
+                </a:ext>
+              </a:extLst>
+            </p:cNvPr>
+            <p:cNvSpPr/>
+            <p:nvPr>
+              <p:extLst>
+                <p:ext uri="{386F3935-93C4-4BCD-93E2-E3B085C9AB24}">
+                  <p16:designElem xmlns:p16="http://schemas.microsoft.com/office/powerpoint/2015/main" val="1"/>
+                </p:ext>
+              </p:extLst>
+            </p:nvPr>
+          </p:nvSpPr>
+          <p:spPr>
+            <a:xfrm>
+              <a:off x="10898730" y="-8467"/>
+              <a:ext cx="1290094" cy="6866467"/>
+            </a:xfrm>
+            <a:custGeom>
+              <a:avLst/>
+              <a:gdLst/>
+              <a:ahLst/>
+              <a:cxnLst/>
+              <a:rect l="l" t="t" r="r" b="b"/>
+              <a:pathLst>
+                <a:path w="1290094" h="6858000">
+                  <a:moveTo>
+                    <a:pt x="1019735" y="0"/>
+                  </a:moveTo>
+                  <a:lnTo>
+                    <a:pt x="1290094" y="0"/>
+                  </a:lnTo>
+                  <a:lnTo>
+                    <a:pt x="1290094" y="6858000"/>
+                  </a:lnTo>
+                  <a:lnTo>
+                    <a:pt x="0" y="6858000"/>
+                  </a:lnTo>
+                  <a:lnTo>
+                    <a:pt x="1019735" y="0"/>
+                  </a:lnTo>
+                  <a:close/>
+                </a:path>
+              </a:pathLst>
+            </a:custGeom>
+            <a:solidFill>
+              <a:schemeClr val="accent1">
+                <a:lumMod val="60000"/>
+                <a:lumOff val="40000"/>
+                <a:alpha val="70000"/>
+              </a:schemeClr>
+            </a:solidFill>
+            <a:ln>
+              <a:noFill/>
+            </a:ln>
+            <a:effectLst/>
+          </p:spPr>
+          <p:style>
+            <a:lnRef idx="1">
+              <a:schemeClr val="accent1"/>
+            </a:lnRef>
+            <a:fillRef idx="3">
+              <a:schemeClr val="accent1"/>
+            </a:fillRef>
+            <a:effectRef idx="2">
+              <a:schemeClr val="accent1"/>
+            </a:effectRef>
+            <a:fontRef idx="minor">
+              <a:schemeClr val="lt1"/>
+            </a:fontRef>
+          </p:style>
+          <p:txBody>
+            <a:bodyPr/>
+            <a:lstStyle/>
+            <a:p>
+              <a:endParaRPr lang="fr-FR"/>
+            </a:p>
+          </p:txBody>
+        </p:sp>
+        <p:sp>
+          <p:nvSpPr>
+            <p:cNvPr id="17" name="Rectangle 29">
+              <a:extLst>
+                <a:ext uri="{FF2B5EF4-FFF2-40B4-BE49-F238E27FC236}">
+                  <a16:creationId xmlns:a16="http://schemas.microsoft.com/office/drawing/2014/main" id="{3E40F9A1-6B82-400F-9397-26D1D36F1F04}"/>
+                </a:ext>
+                <a:ext uri="{C183D7F6-B498-43B3-948B-1728B52AA6E4}">
+                  <adec:decorative xmlns:adec="http://schemas.microsoft.com/office/drawing/2017/decorative" val="1"/>
+                </a:ext>
+              </a:extLst>
+            </p:cNvPr>
+            <p:cNvSpPr/>
+            <p:nvPr>
+              <p:extLst>
+                <p:ext uri="{386F3935-93C4-4BCD-93E2-E3B085C9AB24}">
+                  <p16:designElem xmlns:p16="http://schemas.microsoft.com/office/powerpoint/2015/main" val="1"/>
+                </p:ext>
+              </p:extLst>
+            </p:nvPr>
+          </p:nvSpPr>
+          <p:spPr>
+            <a:xfrm>
+              <a:off x="10938999" y="-8467"/>
+              <a:ext cx="1249825" cy="6866467"/>
+            </a:xfrm>
+            <a:custGeom>
+              <a:avLst/>
+              <a:gdLst/>
+              <a:ahLst/>
+              <a:cxnLst/>
+              <a:rect l="l" t="t" r="r" b="b"/>
+              <a:pathLst>
+                <a:path w="1249825" h="6858000">
+                  <a:moveTo>
+                    <a:pt x="0" y="0"/>
+                  </a:moveTo>
+                  <a:lnTo>
+                    <a:pt x="1249825" y="0"/>
+                  </a:lnTo>
+                  <a:lnTo>
+                    <a:pt x="1249825" y="6858000"/>
+                  </a:lnTo>
+                  <a:lnTo>
+                    <a:pt x="1109382" y="6858000"/>
+                  </a:lnTo>
+                  <a:lnTo>
+                    <a:pt x="0" y="0"/>
+                  </a:lnTo>
+                  <a:close/>
+                </a:path>
+              </a:pathLst>
+            </a:custGeom>
+            <a:solidFill>
+              <a:schemeClr val="accent1">
+                <a:alpha val="65000"/>
+              </a:schemeClr>
+            </a:solidFill>
+            <a:ln>
+              <a:noFill/>
+            </a:ln>
+            <a:effectLst/>
+          </p:spPr>
+          <p:style>
+            <a:lnRef idx="1">
+              <a:schemeClr val="accent1"/>
+            </a:lnRef>
+            <a:fillRef idx="3">
+              <a:schemeClr val="accent1"/>
+            </a:fillRef>
+            <a:effectRef idx="2">
+              <a:schemeClr val="accent1"/>
+            </a:effectRef>
+            <a:fontRef idx="minor">
+              <a:schemeClr val="lt1"/>
+            </a:fontRef>
+          </p:style>
+          <p:txBody>
+            <a:bodyPr/>
+            <a:lstStyle/>
+            <a:p>
+              <a:endParaRPr lang="fr-FR"/>
+            </a:p>
+          </p:txBody>
+        </p:sp>
+        <p:sp>
+          <p:nvSpPr>
+            <p:cNvPr id="18" name="Isosceles Triangle 17">
+              <a:extLst>
+                <a:ext uri="{FF2B5EF4-FFF2-40B4-BE49-F238E27FC236}">
+                  <a16:creationId xmlns:a16="http://schemas.microsoft.com/office/drawing/2014/main" id="{2EF7DDF1-FF86-4CA4-B08B-8939557EBDB3}"/>
+                </a:ext>
+                <a:ext uri="{C183D7F6-B498-43B3-948B-1728B52AA6E4}">
+                  <adec:decorative xmlns:adec="http://schemas.microsoft.com/office/drawing/2017/decorative" val="1"/>
+                </a:ext>
+              </a:extLst>
+            </p:cNvPr>
+            <p:cNvSpPr/>
+            <p:nvPr>
+              <p:extLst>
+                <p:ext uri="{386F3935-93C4-4BCD-93E2-E3B085C9AB24}">
+                  <p16:designElem xmlns:p16="http://schemas.microsoft.com/office/powerpoint/2015/main" val="1"/>
+                </p:ext>
+              </p:extLst>
+            </p:nvPr>
+          </p:nvSpPr>
+          <p:spPr>
+            <a:xfrm>
+              <a:off x="10371666" y="3589867"/>
+              <a:ext cx="1817159" cy="3268133"/>
+            </a:xfrm>
+            <a:prstGeom prst="triangle">
+              <a:avLst>
+                <a:gd name="adj" fmla="val 100000"/>
+              </a:avLst>
+            </a:prstGeom>
+            <a:solidFill>
+              <a:schemeClr val="accent1">
+                <a:alpha val="80000"/>
+              </a:schemeClr>
+            </a:solidFill>
+            <a:ln>
+              <a:noFill/>
+            </a:ln>
+            <a:effectLst/>
+          </p:spPr>
+          <p:style>
+            <a:lnRef idx="1">
+              <a:schemeClr val="accent1"/>
+            </a:lnRef>
+            <a:fillRef idx="3">
+              <a:schemeClr val="accent1"/>
+            </a:fillRef>
+            <a:effectRef idx="2">
+              <a:schemeClr val="accent1"/>
+            </a:effectRef>
+            <a:fontRef idx="minor">
+              <a:schemeClr val="lt1"/>
+            </a:fontRef>
+          </p:style>
+          <p:txBody>
+            <a:bodyPr/>
+            <a:lstStyle/>
+            <a:p>
+              <a:endParaRPr lang="fr-FR"/>
+            </a:p>
+          </p:txBody>
+        </p:sp>
+        <p:sp>
+          <p:nvSpPr>
+            <p:cNvPr id="19" name="Isosceles Triangle 18">
+              <a:extLst>
+                <a:ext uri="{FF2B5EF4-FFF2-40B4-BE49-F238E27FC236}">
+                  <a16:creationId xmlns:a16="http://schemas.microsoft.com/office/drawing/2014/main" id="{6D7C1F89-72B2-4FDC-B9E2-04F52D5C504C}"/>
+                </a:ext>
+                <a:ext uri="{C183D7F6-B498-43B3-948B-1728B52AA6E4}">
+                  <adec:decorative xmlns:adec="http://schemas.microsoft.com/office/drawing/2017/decorative" val="1"/>
+                </a:ext>
+              </a:extLst>
+            </p:cNvPr>
+            <p:cNvSpPr/>
+            <p:nvPr>
+              <p:extLst>
+                <p:ext uri="{386F3935-93C4-4BCD-93E2-E3B085C9AB24}">
+                  <p16:designElem xmlns:p16="http://schemas.microsoft.com/office/powerpoint/2015/main" val="1"/>
+                </p:ext>
+              </p:extLst>
+            </p:nvPr>
+          </p:nvSpPr>
+          <p:spPr>
+            <a:xfrm>
+              <a:off x="0" y="4013200"/>
+              <a:ext cx="448733" cy="2844800"/>
+            </a:xfrm>
+            <a:prstGeom prst="triangle">
+              <a:avLst>
+                <a:gd name="adj" fmla="val 0"/>
+              </a:avLst>
+            </a:prstGeom>
+            <a:solidFill>
+              <a:schemeClr val="accent1">
+                <a:alpha val="85000"/>
+              </a:schemeClr>
+            </a:solidFill>
+            <a:ln>
+              <a:noFill/>
+            </a:ln>
+            <a:effectLst/>
+          </p:spPr>
+          <p:style>
+            <a:lnRef idx="1">
+              <a:schemeClr val="accent1"/>
+            </a:lnRef>
+            <a:fillRef idx="3">
+              <a:schemeClr val="accent1"/>
+            </a:fillRef>
+            <a:effectRef idx="2">
+              <a:schemeClr val="accent1"/>
+            </a:effectRef>
+            <a:fontRef idx="minor">
+              <a:schemeClr val="lt1"/>
+            </a:fontRef>
+          </p:style>
+          <p:txBody>
+            <a:bodyPr/>
+            <a:lstStyle/>
+            <a:p>
+              <a:endParaRPr lang="fr-FR"/>
+            </a:p>
+          </p:txBody>
+        </p:sp>
+      </p:grpSp>
+      <p:sp>
+        <p:nvSpPr>
+          <p:cNvPr id="2" name="Titre 1">
+            <a:extLst>
+              <a:ext uri="{FF2B5EF4-FFF2-40B4-BE49-F238E27FC236}">
+                <a16:creationId xmlns:a16="http://schemas.microsoft.com/office/drawing/2014/main" id="{BB486A34-59AE-600B-A2F3-9BA61F28A440}"/>
+              </a:ext>
+            </a:extLst>
+          </p:cNvPr>
+          <p:cNvSpPr>
+            <a:spLocks noGrp="1"/>
+          </p:cNvSpPr>
+          <p:nvPr>
+            <p:ph type="title"/>
+          </p:nvPr>
+        </p:nvSpPr>
+        <p:spPr>
+          <a:xfrm>
+            <a:off x="5536734" y="609600"/>
+            <a:ext cx="3737268" cy="1320800"/>
+          </a:xfrm>
+        </p:spPr>
+        <p:txBody>
+          <a:bodyPr vert="horz" lIns="91440" tIns="45720" rIns="91440" bIns="45720" rtlCol="0" anchor="t">
+            <a:normAutofit/>
+          </a:bodyPr>
+          <a:lstStyle/>
+          <a:p>
+            <a:r>
+              <a:rPr lang="en-US"/>
+              <a:t>Docker Compose</a:t>
+            </a:r>
+          </a:p>
+        </p:txBody>
+      </p:sp>
+      <p:sp>
+        <p:nvSpPr>
+          <p:cNvPr id="3" name="Espace réservé du texte 2">
+            <a:extLst>
+              <a:ext uri="{FF2B5EF4-FFF2-40B4-BE49-F238E27FC236}">
+                <a16:creationId xmlns:a16="http://schemas.microsoft.com/office/drawing/2014/main" id="{AA07B92F-7373-7D41-2DDF-2E7566ABDFE1}"/>
+              </a:ext>
+            </a:extLst>
+          </p:cNvPr>
+          <p:cNvSpPr>
+            <a:spLocks noGrp="1"/>
+          </p:cNvSpPr>
+          <p:nvPr>
+            <p:ph type="body" idx="1"/>
+          </p:nvPr>
+        </p:nvSpPr>
+        <p:spPr>
+          <a:xfrm>
+            <a:off x="5209563" y="2160589"/>
+            <a:ext cx="4064439" cy="3880773"/>
+          </a:xfrm>
+        </p:spPr>
+        <p:txBody>
+          <a:bodyPr vert="horz" lIns="91440" tIns="45720" rIns="91440" bIns="45720" rtlCol="0">
+            <a:normAutofit lnSpcReduction="10000"/>
+          </a:bodyPr>
+          <a:lstStyle/>
+          <a:p>
+            <a:pPr>
+              <a:lnSpc>
+                <a:spcPct val="90000"/>
+              </a:lnSpc>
+            </a:pPr>
+            <a:r>
+              <a:rPr lang="en-US" sz="1500"/>
+              <a:t>Un outil pour définir et gérer des applications multi-conteneurs</a:t>
+            </a:r>
+            <a:br>
+              <a:rPr lang="en-US" sz="1500"/>
+            </a:br>
+            <a:br>
+              <a:rPr lang="en-US" sz="1500"/>
+            </a:br>
+            <a:r>
+              <a:rPr lang="en-US" sz="1500"/>
+              <a:t>		version: '3.9’</a:t>
+            </a:r>
+          </a:p>
+          <a:p>
+            <a:pPr marL="800100" lvl="2" indent="0">
+              <a:lnSpc>
+                <a:spcPct val="90000"/>
+              </a:lnSpc>
+            </a:pPr>
+            <a:r>
+              <a:rPr lang="en-US" sz="1500"/>
+              <a:t>  services:</a:t>
+            </a:r>
+          </a:p>
+          <a:p>
+            <a:pPr marL="800100" lvl="2" indent="0">
+              <a:lnSpc>
+                <a:spcPct val="90000"/>
+              </a:lnSpc>
+            </a:pPr>
+            <a:r>
+              <a:rPr lang="en-US" sz="1500"/>
+              <a:t>    web:</a:t>
+            </a:r>
+          </a:p>
+          <a:p>
+            <a:pPr marL="800100" lvl="2" indent="0">
+              <a:lnSpc>
+                <a:spcPct val="90000"/>
+              </a:lnSpc>
+            </a:pPr>
+            <a:r>
+              <a:rPr lang="en-US" sz="1500"/>
+              <a:t>      image: nginx</a:t>
+            </a:r>
+          </a:p>
+          <a:p>
+            <a:pPr marL="800100" lvl="2" indent="0">
+              <a:lnSpc>
+                <a:spcPct val="90000"/>
+              </a:lnSpc>
+            </a:pPr>
+            <a:r>
+              <a:rPr lang="en-US" sz="1500"/>
+              <a:t>      ports:</a:t>
+            </a:r>
+          </a:p>
+          <a:p>
+            <a:pPr marL="800100" lvl="2" indent="0">
+              <a:lnSpc>
+                <a:spcPct val="90000"/>
+              </a:lnSpc>
+            </a:pPr>
+            <a:r>
+              <a:rPr lang="en-US" sz="1500"/>
+              <a:t>		- "80:80"  </a:t>
+            </a:r>
+          </a:p>
+          <a:p>
+            <a:pPr marL="800100" lvl="2" indent="0">
+              <a:lnSpc>
+                <a:spcPct val="90000"/>
+              </a:lnSpc>
+            </a:pPr>
+            <a:r>
+              <a:rPr lang="en-US" sz="1500"/>
+              <a:t>    db:</a:t>
+            </a:r>
+          </a:p>
+          <a:p>
+            <a:pPr marL="800100" lvl="2" indent="0">
+              <a:lnSpc>
+                <a:spcPct val="90000"/>
+              </a:lnSpc>
+            </a:pPr>
+            <a:r>
+              <a:rPr lang="en-US" sz="1500"/>
+              <a:t>      image: mysql</a:t>
+            </a:r>
+          </a:p>
+          <a:p>
+            <a:pPr marL="800100" lvl="2" indent="0">
+              <a:lnSpc>
+                <a:spcPct val="90000"/>
+              </a:lnSpc>
+            </a:pPr>
+            <a:r>
+              <a:rPr lang="en-US" sz="1500"/>
+              <a:t>      environment:</a:t>
+            </a:r>
+          </a:p>
+          <a:p>
+            <a:pPr marL="800100" lvl="2" indent="0">
+              <a:lnSpc>
+                <a:spcPct val="90000"/>
+              </a:lnSpc>
+            </a:pPr>
+            <a:r>
+              <a:rPr lang="en-US" sz="1500"/>
+              <a:t>        MYSQL_ROOT_PASSWORD: example</a:t>
+            </a:r>
+          </a:p>
+        </p:txBody>
+      </p:sp>
+      <p:pic>
+        <p:nvPicPr>
+          <p:cNvPr id="5" name="Picture 4" descr="Chariot à l’aide d’un conteneur sur le terrain">
+            <a:extLst>
+              <a:ext uri="{FF2B5EF4-FFF2-40B4-BE49-F238E27FC236}">
+                <a16:creationId xmlns:a16="http://schemas.microsoft.com/office/drawing/2014/main" id="{C20102A6-662D-BD3F-9B66-F86A6DFC1588}"/>
+              </a:ext>
+            </a:extLst>
+          </p:cNvPr>
+          <p:cNvPicPr>
+            <a:picLocks noChangeAspect="1"/>
+          </p:cNvPicPr>
+          <p:nvPr/>
+        </p:nvPicPr>
+        <p:blipFill>
+          <a:blip r:embed="rId2"/>
+          <a:srcRect l="14598" r="32891" b="-2"/>
+          <a:stretch/>
+        </p:blipFill>
+        <p:spPr>
+          <a:xfrm>
+            <a:off x="20" y="-1"/>
+            <a:ext cx="5394940" cy="6858001"/>
+          </a:xfrm>
+          <a:custGeom>
+            <a:avLst/>
+            <a:gdLst/>
+            <a:ahLst/>
+            <a:cxnLst/>
+            <a:rect l="l" t="t" r="r" b="b"/>
+            <a:pathLst>
+              <a:path w="5394960" h="6858000">
+                <a:moveTo>
+                  <a:pt x="842596" y="0"/>
+                </a:moveTo>
+                <a:lnTo>
+                  <a:pt x="5394960" y="0"/>
+                </a:lnTo>
+                <a:lnTo>
+                  <a:pt x="5394960" y="21851"/>
+                </a:lnTo>
+                <a:lnTo>
+                  <a:pt x="4365943" y="6858000"/>
+                </a:lnTo>
+                <a:lnTo>
+                  <a:pt x="0" y="6858000"/>
+                </a:lnTo>
+                <a:lnTo>
+                  <a:pt x="0" y="5666154"/>
+                </a:lnTo>
+                <a:close/>
+              </a:path>
+            </a:pathLst>
+          </a:custGeom>
+        </p:spPr>
+      </p:pic>
+      <p:sp>
+        <p:nvSpPr>
+          <p:cNvPr id="21" name="Isosceles Triangle 20">
+            <a:extLst>
+              <a:ext uri="{FF2B5EF4-FFF2-40B4-BE49-F238E27FC236}">
+                <a16:creationId xmlns:a16="http://schemas.microsoft.com/office/drawing/2014/main" id="{3BCB5F6A-9EB0-40B0-9D13-3023E9A20508}"/>
+              </a:ext>
+              <a:ext uri="{C183D7F6-B498-43B3-948B-1728B52AA6E4}">
+                <adec:decorative xmlns:adec="http://schemas.microsoft.com/office/drawing/2017/decorative" val="1"/>
+              </a:ext>
+            </a:extLst>
+          </p:cNvPr>
+          <p:cNvSpPr>
+            <a:spLocks noGrp="1" noRot="1" noChangeAspect="1" noMove="1" noResize="1" noEditPoints="1" noAdjustHandles="1" noChangeArrowheads="1" noChangeShapeType="1" noTextEdit="1"/>
+          </p:cNvSpPr>
+          <p:nvPr>
+            <p:extLst>
+              <p:ext uri="{386F3935-93C4-4BCD-93E2-E3B085C9AB24}">
+                <p16:designElem xmlns:p16="http://schemas.microsoft.com/office/powerpoint/2015/main" val="1"/>
+              </p:ext>
+            </p:extLst>
+          </p:nvPr>
+        </p:nvSpPr>
+        <p:spPr>
+          <a:xfrm rot="10800000">
+            <a:off x="0" y="0"/>
+            <a:ext cx="842596" cy="5666154"/>
+          </a:xfrm>
+          <a:prstGeom prst="triangle">
+            <a:avLst>
+              <a:gd name="adj" fmla="val 100000"/>
+            </a:avLst>
+          </a:prstGeom>
+          <a:solidFill>
+            <a:schemeClr val="accent1"/>
+          </a:solidFill>
+          <a:ln>
+            <a:noFill/>
+          </a:ln>
+          <a:effectLst/>
+        </p:spPr>
+        <p:style>
+          <a:lnRef idx="1">
+            <a:schemeClr val="accent1"/>
+          </a:lnRef>
+          <a:fillRef idx="3">
+            <a:schemeClr val="accent1"/>
+          </a:fillRef>
+          <a:effectRef idx="2">
+            <a:schemeClr val="accent1"/>
+          </a:effectRef>
+          <a:fontRef idx="minor">
+            <a:schemeClr val="lt1"/>
+          </a:fontRef>
+        </p:style>
+        <p:txBody>
+          <a:bodyPr/>
+          <a:lstStyle/>
+          <a:p>
+            <a:endParaRPr lang="fr-FR"/>
+          </a:p>
+        </p:txBody>
+      </p:sp>
+    </p:spTree>
+    <p:extLst>
+      <p:ext uri="{BB962C8B-B14F-4D97-AF65-F5344CB8AC3E}">
+        <p14:creationId xmlns:p14="http://schemas.microsoft.com/office/powerpoint/2010/main" val="2907399304"/>
+      </p:ext>
+    </p:extLst>
+  </p:cSld>
+  <p:clrMapOvr>
+    <a:overrideClrMapping bg1="dk1" tx1="lt1" bg2="dk2" tx2="lt2" accent1="accent1" accent2="accent2" accent3="accent3" accent4="accent4" accent5="accent5" accent6="accent6" hlink="hlink" folHlink="folHlink"/>
+  </p:clrMapOvr>
+</p:sld>
+</file>
+
+<file path=ppt/slides/slide11.xml><?xml version="1.0" encoding="utf-8"?>
+<p:sld xmlns:a="http://schemas.openxmlformats.org/drawingml/2006/main" xmlns:r="http://schemas.openxmlformats.org/officeDocument/2006/relationships" xmlns:p="http://schemas.openxmlformats.org/presentationml/2006/main">
+  <p:cSld>
+    <p:bg>
+      <p:bgPr>
+        <a:solidFill>
           <a:schemeClr val="bg1"/>
         </a:solidFill>
         <a:effectLst/>
@@ -8579,7 +9679,7 @@
 </p:sld>
 </file>
 
-<file path=ppt/slides/slide11.xml><?xml version="1.0" encoding="utf-8"?>
+<file path=ppt/slides/slide12.xml><?xml version="1.0" encoding="utf-8"?>
 <p:sld xmlns:a="http://schemas.openxmlformats.org/drawingml/2006/main" xmlns:r="http://schemas.openxmlformats.org/officeDocument/2006/relationships" xmlns:p="http://schemas.openxmlformats.org/presentationml/2006/main">
   <p:cSld>
     <p:bg>
@@ -9569,7 +10669,7 @@
 </p:sld>
 </file>
 
-<file path=ppt/slides/slide12.xml><?xml version="1.0" encoding="utf-8"?>
+<file path=ppt/slides/slide13.xml><?xml version="1.0" encoding="utf-8"?>
 <p:sld xmlns:a="http://schemas.openxmlformats.org/drawingml/2006/main" xmlns:r="http://schemas.openxmlformats.org/officeDocument/2006/relationships" xmlns:p="http://schemas.openxmlformats.org/presentationml/2006/main">
   <p:cSld>
     <p:bg>
@@ -17508,6 +18608,182 @@
 <file path=ppt/slides/slide6.xml><?xml version="1.0" encoding="utf-8"?>
 <p:sld xmlns:a="http://schemas.openxmlformats.org/drawingml/2006/main" xmlns:r="http://schemas.openxmlformats.org/officeDocument/2006/relationships" xmlns:p="http://schemas.openxmlformats.org/presentationml/2006/main">
   <p:cSld>
+    <p:spTree>
+      <p:nvGrpSpPr>
+        <p:cNvPr id="1" name=""/>
+        <p:cNvGrpSpPr/>
+        <p:nvPr/>
+      </p:nvGrpSpPr>
+      <p:grpSpPr>
+        <a:xfrm>
+          <a:off x="0" y="0"/>
+          <a:ext cx="0" cy="0"/>
+          <a:chOff x="0" y="0"/>
+          <a:chExt cx="0" cy="0"/>
+        </a:xfrm>
+      </p:grpSpPr>
+      <p:sp>
+        <p:nvSpPr>
+          <p:cNvPr id="2" name="Titre 1">
+            <a:extLst>
+              <a:ext uri="{FF2B5EF4-FFF2-40B4-BE49-F238E27FC236}">
+                <a16:creationId xmlns:a16="http://schemas.microsoft.com/office/drawing/2014/main" id="{E71D02A8-FF8A-4C61-8C2B-59FF17EA2848}"/>
+              </a:ext>
+            </a:extLst>
+          </p:cNvPr>
+          <p:cNvSpPr>
+            <a:spLocks noGrp="1"/>
+          </p:cNvSpPr>
+          <p:nvPr>
+            <p:ph type="title"/>
+          </p:nvPr>
+        </p:nvSpPr>
+        <p:spPr/>
+        <p:txBody>
+          <a:bodyPr/>
+          <a:lstStyle/>
+          <a:p>
+            <a:r>
+              <a:rPr lang="fr-FR" dirty="0"/>
+              <a:t>configuration</a:t>
+            </a:r>
+          </a:p>
+        </p:txBody>
+      </p:sp>
+      <p:sp>
+        <p:nvSpPr>
+          <p:cNvPr id="3" name="Espace réservé du texte 2">
+            <a:extLst>
+              <a:ext uri="{FF2B5EF4-FFF2-40B4-BE49-F238E27FC236}">
+                <a16:creationId xmlns:a16="http://schemas.microsoft.com/office/drawing/2014/main" id="{32393248-E101-5695-AC0A-7FAAED823002}"/>
+              </a:ext>
+            </a:extLst>
+          </p:cNvPr>
+          <p:cNvSpPr>
+            <a:spLocks noGrp="1"/>
+          </p:cNvSpPr>
+          <p:nvPr>
+            <p:ph type="body" idx="1"/>
+          </p:nvPr>
+        </p:nvSpPr>
+        <p:spPr>
+          <a:xfrm>
+            <a:off x="0" y="1381522"/>
+            <a:ext cx="6513161" cy="2493361"/>
+          </a:xfrm>
+        </p:spPr>
+        <p:txBody>
+          <a:bodyPr/>
+          <a:lstStyle/>
+          <a:p>
+            <a:r>
+              <a:rPr lang="fr-FR" dirty="0"/>
+              <a:t>docker run --</a:t>
+            </a:r>
+            <a:r>
+              <a:rPr lang="fr-FR" dirty="0" err="1"/>
+              <a:t>name</a:t>
+            </a:r>
+            <a:r>
+              <a:rPr lang="fr-FR" dirty="0"/>
+              <a:t> mysql920 -p 3309:3306 -v d:\test9:/var/lib/mysql -e MYSQL_ROOT_PASSWORD=123456 -d mysql:9.2.0  </a:t>
+            </a:r>
+          </a:p>
+        </p:txBody>
+      </p:sp>
+      <p:pic>
+        <p:nvPicPr>
+          <p:cNvPr id="1026" name="Picture 2">
+            <a:extLst>
+              <a:ext uri="{FF2B5EF4-FFF2-40B4-BE49-F238E27FC236}">
+                <a16:creationId xmlns:a16="http://schemas.microsoft.com/office/drawing/2014/main" id="{43C639C8-44D6-C05A-0E1B-BE2FA4E0A568}"/>
+              </a:ext>
+            </a:extLst>
+          </p:cNvPr>
+          <p:cNvPicPr>
+            <a:picLocks noChangeAspect="1" noChangeArrowheads="1"/>
+          </p:cNvPicPr>
+          <p:nvPr/>
+        </p:nvPicPr>
+        <p:blipFill>
+          <a:blip r:embed="rId2">
+            <a:extLst>
+              <a:ext uri="{28A0092B-C50C-407E-A947-70E740481C1C}">
+                <a14:useLocalDpi xmlns:a14="http://schemas.microsoft.com/office/drawing/2010/main" val="0"/>
+              </a:ext>
+            </a:extLst>
+          </a:blip>
+          <a:srcRect/>
+          <a:stretch>
+            <a:fillRect/>
+          </a:stretch>
+        </p:blipFill>
+        <p:spPr bwMode="auto">
+          <a:xfrm>
+            <a:off x="6900096" y="476413"/>
+            <a:ext cx="4946911" cy="5195881"/>
+          </a:xfrm>
+          <a:prstGeom prst="rect">
+            <a:avLst/>
+          </a:prstGeom>
+          <a:noFill/>
+          <a:extLst>
+            <a:ext uri="{909E8E84-426E-40DD-AFC4-6F175D3DCCD1}">
+              <a14:hiddenFill xmlns:a14="http://schemas.microsoft.com/office/drawing/2010/main">
+                <a:solidFill>
+                  <a:srgbClr val="FFFFFF"/>
+                </a:solidFill>
+              </a14:hiddenFill>
+            </a:ext>
+          </a:extLst>
+        </p:spPr>
+      </p:pic>
+      <p:pic>
+        <p:nvPicPr>
+          <p:cNvPr id="5" name="Image 4">
+            <a:extLst>
+              <a:ext uri="{FF2B5EF4-FFF2-40B4-BE49-F238E27FC236}">
+                <a16:creationId xmlns:a16="http://schemas.microsoft.com/office/drawing/2014/main" id="{96095C0C-77FB-83BD-D34E-31F7629319C5}"/>
+              </a:ext>
+            </a:extLst>
+          </p:cNvPr>
+          <p:cNvPicPr>
+            <a:picLocks noChangeAspect="1"/>
+          </p:cNvPicPr>
+          <p:nvPr/>
+        </p:nvPicPr>
+        <p:blipFill>
+          <a:blip r:embed="rId3"/>
+          <a:stretch>
+            <a:fillRect/>
+          </a:stretch>
+        </p:blipFill>
+        <p:spPr>
+          <a:xfrm>
+            <a:off x="1746253" y="3358383"/>
+            <a:ext cx="3939644" cy="3138436"/>
+          </a:xfrm>
+          <a:prstGeom prst="rect">
+            <a:avLst/>
+          </a:prstGeom>
+        </p:spPr>
+      </p:pic>
+    </p:spTree>
+    <p:extLst>
+      <p:ext uri="{BB962C8B-B14F-4D97-AF65-F5344CB8AC3E}">
+        <p14:creationId xmlns:p14="http://schemas.microsoft.com/office/powerpoint/2010/main" val="2012018141"/>
+      </p:ext>
+    </p:extLst>
+  </p:cSld>
+  <p:clrMapOvr>
+    <a:masterClrMapping/>
+  </p:clrMapOvr>
+</p:sld>
+</file>
+
+<file path=ppt/slides/slide7.xml><?xml version="1.0" encoding="utf-8"?>
+<p:sld xmlns:a="http://schemas.openxmlformats.org/drawingml/2006/main" xmlns:r="http://schemas.openxmlformats.org/officeDocument/2006/relationships" xmlns:p="http://schemas.openxmlformats.org/presentationml/2006/main">
+  <p:cSld>
     <p:bg>
       <p:bgPr>
         <a:solidFill>
@@ -19187,7 +20463,7 @@
 </p:sld>
 </file>
 
-<file path=ppt/slides/slide7.xml><?xml version="1.0" encoding="utf-8"?>
+<file path=ppt/slides/slide8.xml><?xml version="1.0" encoding="utf-8"?>
 <p:sld xmlns:a="http://schemas.openxmlformats.org/drawingml/2006/main" xmlns:r="http://schemas.openxmlformats.org/officeDocument/2006/relationships" xmlns:p="http://schemas.openxmlformats.org/presentationml/2006/main">
   <p:cSld>
     <p:bg>
@@ -21023,7 +22299,7 @@
 </p:sld>
 </file>
 
-<file path=ppt/slides/slide8.xml><?xml version="1.0" encoding="utf-8"?>
+<file path=ppt/slides/slide9.xml><?xml version="1.0" encoding="utf-8"?>
 <p:sld xmlns:a="http://schemas.openxmlformats.org/drawingml/2006/main" xmlns:r="http://schemas.openxmlformats.org/officeDocument/2006/relationships" xmlns:p="http://schemas.openxmlformats.org/presentationml/2006/main">
   <p:cSld>
     <p:bg>
@@ -22687,1100 +23963,6 @@
   </p:cSld>
   <p:clrMapOvr>
     <a:masterClrMapping/>
-  </p:clrMapOvr>
-</p:sld>
-</file>
-
-<file path=ppt/slides/slide9.xml><?xml version="1.0" encoding="utf-8"?>
-<p:sld xmlns:a="http://schemas.openxmlformats.org/drawingml/2006/main" xmlns:r="http://schemas.openxmlformats.org/officeDocument/2006/relationships" xmlns:p="http://schemas.openxmlformats.org/presentationml/2006/main">
-  <p:cSld>
-    <p:bg>
-      <p:bgPr>
-        <a:solidFill>
-          <a:schemeClr val="bg2"/>
-        </a:solidFill>
-        <a:effectLst/>
-      </p:bgPr>
-    </p:bg>
-    <p:spTree>
-      <p:nvGrpSpPr>
-        <p:cNvPr id="1" name=""/>
-        <p:cNvGrpSpPr/>
-        <p:nvPr/>
-      </p:nvGrpSpPr>
-      <p:grpSpPr>
-        <a:xfrm>
-          <a:off x="0" y="0"/>
-          <a:ext cx="0" cy="0"/>
-          <a:chOff x="0" y="0"/>
-          <a:chExt cx="0" cy="0"/>
-        </a:xfrm>
-      </p:grpSpPr>
-      <p:grpSp>
-        <p:nvGrpSpPr>
-          <p:cNvPr id="9" name="Group 8">
-            <a:extLst>
-              <a:ext uri="{FF2B5EF4-FFF2-40B4-BE49-F238E27FC236}">
-                <a16:creationId xmlns:a16="http://schemas.microsoft.com/office/drawing/2014/main" id="{10BE40E3-5550-4CDD-B4FD-387C33EBF157}"/>
-              </a:ext>
-              <a:ext uri="{C183D7F6-B498-43B3-948B-1728B52AA6E4}">
-                <adec:decorative xmlns:adec="http://schemas.microsoft.com/office/drawing/2017/decorative" val="1"/>
-              </a:ext>
-            </a:extLst>
-          </p:cNvPr>
-          <p:cNvGrpSpPr>
-            <a:grpSpLocks noGrp="1" noUngrp="1" noRot="1" noChangeAspect="1" noMove="1" noResize="1"/>
-          </p:cNvGrpSpPr>
-          <p:nvPr>
-            <p:extLst>
-              <p:ext uri="{386F3935-93C4-4BCD-93E2-E3B085C9AB24}">
-                <p16:designElem xmlns:p16="http://schemas.microsoft.com/office/powerpoint/2015/main" val="1"/>
-              </p:ext>
-            </p:extLst>
-          </p:nvPr>
-        </p:nvGrpSpPr>
-        <p:grpSpPr>
-          <a:xfrm>
-            <a:off x="0" y="-8467"/>
-            <a:ext cx="12192000" cy="6866467"/>
-            <a:chOff x="0" y="-8467"/>
-            <a:chExt cx="12192000" cy="6866467"/>
-          </a:xfrm>
-        </p:grpSpPr>
-        <p:cxnSp>
-          <p:nvCxnSpPr>
-            <p:cNvPr id="10" name="Straight Connector 9">
-              <a:extLst>
-                <a:ext uri="{FF2B5EF4-FFF2-40B4-BE49-F238E27FC236}">
-                  <a16:creationId xmlns:a16="http://schemas.microsoft.com/office/drawing/2014/main" id="{71A6B738-E50C-4653-B343-B9D6A5EA2771}"/>
-                </a:ext>
-                <a:ext uri="{C183D7F6-B498-43B3-948B-1728B52AA6E4}">
-                  <adec:decorative xmlns:adec="http://schemas.microsoft.com/office/drawing/2017/decorative" val="1"/>
-                </a:ext>
-              </a:extLst>
-            </p:cNvPr>
-            <p:cNvCxnSpPr/>
-            <p:nvPr>
-              <p:extLst>
-                <p:ext uri="{386F3935-93C4-4BCD-93E2-E3B085C9AB24}">
-                  <p16:designElem xmlns:p16="http://schemas.microsoft.com/office/powerpoint/2015/main" val="1"/>
-                </p:ext>
-              </p:extLst>
-            </p:nvPr>
-          </p:nvCxnSpPr>
-          <p:spPr>
-            <a:xfrm>
-              <a:off x="9371012" y="0"/>
-              <a:ext cx="1219200" cy="6858000"/>
-            </a:xfrm>
-            <a:prstGeom prst="line">
-              <a:avLst/>
-            </a:prstGeom>
-            <a:ln w="9525">
-              <a:solidFill>
-                <a:schemeClr val="bg1">
-                  <a:lumMod val="75000"/>
-                </a:schemeClr>
-              </a:solidFill>
-            </a:ln>
-          </p:spPr>
-          <p:style>
-            <a:lnRef idx="2">
-              <a:schemeClr val="accent1"/>
-            </a:lnRef>
-            <a:fillRef idx="0">
-              <a:schemeClr val="accent1"/>
-            </a:fillRef>
-            <a:effectRef idx="1">
-              <a:schemeClr val="accent1"/>
-            </a:effectRef>
-            <a:fontRef idx="minor">
-              <a:schemeClr val="tx1"/>
-            </a:fontRef>
-          </p:style>
-        </p:cxnSp>
-        <p:cxnSp>
-          <p:nvCxnSpPr>
-            <p:cNvPr id="11" name="Straight Connector 10">
-              <a:extLst>
-                <a:ext uri="{FF2B5EF4-FFF2-40B4-BE49-F238E27FC236}">
-                  <a16:creationId xmlns:a16="http://schemas.microsoft.com/office/drawing/2014/main" id="{498768D6-B28C-40A3-B381-39306F5816D5}"/>
-                </a:ext>
-                <a:ext uri="{C183D7F6-B498-43B3-948B-1728B52AA6E4}">
-                  <adec:decorative xmlns:adec="http://schemas.microsoft.com/office/drawing/2017/decorative" val="1"/>
-                </a:ext>
-              </a:extLst>
-            </p:cNvPr>
-            <p:cNvCxnSpPr/>
-            <p:nvPr>
-              <p:extLst>
-                <p:ext uri="{386F3935-93C4-4BCD-93E2-E3B085C9AB24}">
-                  <p16:designElem xmlns:p16="http://schemas.microsoft.com/office/powerpoint/2015/main" val="1"/>
-                </p:ext>
-              </p:extLst>
-            </p:nvPr>
-          </p:nvCxnSpPr>
-          <p:spPr>
-            <a:xfrm flipH="1">
-              <a:off x="7425267" y="3681413"/>
-              <a:ext cx="4763558" cy="3176587"/>
-            </a:xfrm>
-            <a:prstGeom prst="line">
-              <a:avLst/>
-            </a:prstGeom>
-            <a:ln w="9525">
-              <a:solidFill>
-                <a:schemeClr val="bg1">
-                  <a:lumMod val="85000"/>
-                </a:schemeClr>
-              </a:solidFill>
-            </a:ln>
-          </p:spPr>
-          <p:style>
-            <a:lnRef idx="2">
-              <a:schemeClr val="accent1"/>
-            </a:lnRef>
-            <a:fillRef idx="0">
-              <a:schemeClr val="accent1"/>
-            </a:fillRef>
-            <a:effectRef idx="1">
-              <a:schemeClr val="accent1"/>
-            </a:effectRef>
-            <a:fontRef idx="minor">
-              <a:schemeClr val="tx1"/>
-            </a:fontRef>
-          </p:style>
-        </p:cxnSp>
-        <p:sp>
-          <p:nvSpPr>
-            <p:cNvPr id="12" name="Rectangle 23">
-              <a:extLst>
-                <a:ext uri="{FF2B5EF4-FFF2-40B4-BE49-F238E27FC236}">
-                  <a16:creationId xmlns:a16="http://schemas.microsoft.com/office/drawing/2014/main" id="{B27C15B9-7795-4321-AB30-DF1DEF65C19E}"/>
-                </a:ext>
-                <a:ext uri="{C183D7F6-B498-43B3-948B-1728B52AA6E4}">
-                  <adec:decorative xmlns:adec="http://schemas.microsoft.com/office/drawing/2017/decorative" val="1"/>
-                </a:ext>
-              </a:extLst>
-            </p:cNvPr>
-            <p:cNvSpPr/>
-            <p:nvPr>
-              <p:extLst>
-                <p:ext uri="{386F3935-93C4-4BCD-93E2-E3B085C9AB24}">
-                  <p16:designElem xmlns:p16="http://schemas.microsoft.com/office/powerpoint/2015/main" val="1"/>
-                </p:ext>
-              </p:extLst>
-            </p:nvPr>
-          </p:nvSpPr>
-          <p:spPr>
-            <a:xfrm>
-              <a:off x="9181476" y="-8467"/>
-              <a:ext cx="3007349" cy="6866467"/>
-            </a:xfrm>
-            <a:custGeom>
-              <a:avLst/>
-              <a:gdLst/>
-              <a:ahLst/>
-              <a:cxnLst/>
-              <a:rect l="l" t="t" r="r" b="b"/>
-              <a:pathLst>
-                <a:path w="3007349" h="6866467">
-                  <a:moveTo>
-                    <a:pt x="2045532" y="0"/>
-                  </a:moveTo>
-                  <a:lnTo>
-                    <a:pt x="3007349" y="0"/>
-                  </a:lnTo>
-                  <a:lnTo>
-                    <a:pt x="3007349" y="6866467"/>
-                  </a:lnTo>
-                  <a:lnTo>
-                    <a:pt x="0" y="6866467"/>
-                  </a:lnTo>
-                  <a:lnTo>
-                    <a:pt x="2045532" y="0"/>
-                  </a:lnTo>
-                  <a:close/>
-                </a:path>
-              </a:pathLst>
-            </a:custGeom>
-            <a:solidFill>
-              <a:schemeClr val="accent1">
-                <a:alpha val="30000"/>
-              </a:schemeClr>
-            </a:solidFill>
-            <a:ln>
-              <a:noFill/>
-            </a:ln>
-            <a:effectLst/>
-          </p:spPr>
-          <p:style>
-            <a:lnRef idx="1">
-              <a:schemeClr val="accent1"/>
-            </a:lnRef>
-            <a:fillRef idx="3">
-              <a:schemeClr val="accent1"/>
-            </a:fillRef>
-            <a:effectRef idx="2">
-              <a:schemeClr val="accent1"/>
-            </a:effectRef>
-            <a:fontRef idx="minor">
-              <a:schemeClr val="lt1"/>
-            </a:fontRef>
-          </p:style>
-          <p:txBody>
-            <a:bodyPr/>
-            <a:lstStyle/>
-            <a:p>
-              <a:endParaRPr lang="fr-FR"/>
-            </a:p>
-          </p:txBody>
-        </p:sp>
-        <p:sp>
-          <p:nvSpPr>
-            <p:cNvPr id="13" name="Rectangle 25">
-              <a:extLst>
-                <a:ext uri="{FF2B5EF4-FFF2-40B4-BE49-F238E27FC236}">
-                  <a16:creationId xmlns:a16="http://schemas.microsoft.com/office/drawing/2014/main" id="{578EC957-1F3F-4C00-B023-C8725C2171CB}"/>
-                </a:ext>
-                <a:ext uri="{C183D7F6-B498-43B3-948B-1728B52AA6E4}">
-                  <adec:decorative xmlns:adec="http://schemas.microsoft.com/office/drawing/2017/decorative" val="1"/>
-                </a:ext>
-              </a:extLst>
-            </p:cNvPr>
-            <p:cNvSpPr/>
-            <p:nvPr>
-              <p:extLst>
-                <p:ext uri="{386F3935-93C4-4BCD-93E2-E3B085C9AB24}">
-                  <p16:designElem xmlns:p16="http://schemas.microsoft.com/office/powerpoint/2015/main" val="1"/>
-                </p:ext>
-              </p:extLst>
-            </p:nvPr>
-          </p:nvSpPr>
-          <p:spPr>
-            <a:xfrm>
-              <a:off x="9603442" y="-8467"/>
-              <a:ext cx="2588558" cy="6866467"/>
-            </a:xfrm>
-            <a:custGeom>
-              <a:avLst/>
-              <a:gdLst/>
-              <a:ahLst/>
-              <a:cxnLst/>
-              <a:rect l="l" t="t" r="r" b="b"/>
-              <a:pathLst>
-                <a:path w="2573311" h="6866467">
-                  <a:moveTo>
-                    <a:pt x="0" y="0"/>
-                  </a:moveTo>
-                  <a:lnTo>
-                    <a:pt x="2573311" y="0"/>
-                  </a:lnTo>
-                  <a:lnTo>
-                    <a:pt x="2573311" y="6866467"/>
-                  </a:lnTo>
-                  <a:lnTo>
-                    <a:pt x="1202336" y="6866467"/>
-                  </a:lnTo>
-                  <a:lnTo>
-                    <a:pt x="0" y="0"/>
-                  </a:lnTo>
-                  <a:close/>
-                </a:path>
-              </a:pathLst>
-            </a:custGeom>
-            <a:solidFill>
-              <a:schemeClr val="accent1">
-                <a:alpha val="20000"/>
-              </a:schemeClr>
-            </a:solidFill>
-            <a:ln>
-              <a:noFill/>
-            </a:ln>
-            <a:effectLst/>
-          </p:spPr>
-          <p:style>
-            <a:lnRef idx="1">
-              <a:schemeClr val="accent1"/>
-            </a:lnRef>
-            <a:fillRef idx="3">
-              <a:schemeClr val="accent1"/>
-            </a:fillRef>
-            <a:effectRef idx="2">
-              <a:schemeClr val="accent1"/>
-            </a:effectRef>
-            <a:fontRef idx="minor">
-              <a:schemeClr val="lt1"/>
-            </a:fontRef>
-          </p:style>
-          <p:txBody>
-            <a:bodyPr/>
-            <a:lstStyle/>
-            <a:p>
-              <a:endParaRPr lang="fr-FR"/>
-            </a:p>
-          </p:txBody>
-        </p:sp>
-        <p:sp>
-          <p:nvSpPr>
-            <p:cNvPr id="14" name="Isosceles Triangle 13">
-              <a:extLst>
-                <a:ext uri="{FF2B5EF4-FFF2-40B4-BE49-F238E27FC236}">
-                  <a16:creationId xmlns:a16="http://schemas.microsoft.com/office/drawing/2014/main" id="{3D642632-BBD5-46D6-A91D-9B2BF68219B7}"/>
-                </a:ext>
-                <a:ext uri="{C183D7F6-B498-43B3-948B-1728B52AA6E4}">
-                  <adec:decorative xmlns:adec="http://schemas.microsoft.com/office/drawing/2017/decorative" val="1"/>
-                </a:ext>
-              </a:extLst>
-            </p:cNvPr>
-            <p:cNvSpPr/>
-            <p:nvPr>
-              <p:extLst>
-                <p:ext uri="{386F3935-93C4-4BCD-93E2-E3B085C9AB24}">
-                  <p16:designElem xmlns:p16="http://schemas.microsoft.com/office/powerpoint/2015/main" val="1"/>
-                </p:ext>
-              </p:extLst>
-            </p:nvPr>
-          </p:nvSpPr>
-          <p:spPr>
-            <a:xfrm>
-              <a:off x="8932333" y="3048000"/>
-              <a:ext cx="3259667" cy="3810000"/>
-            </a:xfrm>
-            <a:prstGeom prst="triangle">
-              <a:avLst>
-                <a:gd name="adj" fmla="val 100000"/>
-              </a:avLst>
-            </a:prstGeom>
-            <a:solidFill>
-              <a:schemeClr val="accent2">
-                <a:alpha val="72000"/>
-              </a:schemeClr>
-            </a:solidFill>
-            <a:ln>
-              <a:noFill/>
-            </a:ln>
-            <a:effectLst/>
-          </p:spPr>
-          <p:style>
-            <a:lnRef idx="1">
-              <a:schemeClr val="accent1"/>
-            </a:lnRef>
-            <a:fillRef idx="3">
-              <a:schemeClr val="accent1"/>
-            </a:fillRef>
-            <a:effectRef idx="2">
-              <a:schemeClr val="accent1"/>
-            </a:effectRef>
-            <a:fontRef idx="minor">
-              <a:schemeClr val="lt1"/>
-            </a:fontRef>
-          </p:style>
-          <p:txBody>
-            <a:bodyPr/>
-            <a:lstStyle/>
-            <a:p>
-              <a:endParaRPr lang="fr-FR"/>
-            </a:p>
-          </p:txBody>
-        </p:sp>
-        <p:sp>
-          <p:nvSpPr>
-            <p:cNvPr id="15" name="Rectangle 27">
-              <a:extLst>
-                <a:ext uri="{FF2B5EF4-FFF2-40B4-BE49-F238E27FC236}">
-                  <a16:creationId xmlns:a16="http://schemas.microsoft.com/office/drawing/2014/main" id="{BF9D518D-AFF5-4DE2-AEE2-0EC15479A9AF}"/>
-                </a:ext>
-                <a:ext uri="{C183D7F6-B498-43B3-948B-1728B52AA6E4}">
-                  <adec:decorative xmlns:adec="http://schemas.microsoft.com/office/drawing/2017/decorative" val="1"/>
-                </a:ext>
-              </a:extLst>
-            </p:cNvPr>
-            <p:cNvSpPr/>
-            <p:nvPr>
-              <p:extLst>
-                <p:ext uri="{386F3935-93C4-4BCD-93E2-E3B085C9AB24}">
-                  <p16:designElem xmlns:p16="http://schemas.microsoft.com/office/powerpoint/2015/main" val="1"/>
-                </p:ext>
-              </p:extLst>
-            </p:nvPr>
-          </p:nvSpPr>
-          <p:spPr>
-            <a:xfrm>
-              <a:off x="9334500" y="-8467"/>
-              <a:ext cx="2854326" cy="6866467"/>
-            </a:xfrm>
-            <a:custGeom>
-              <a:avLst/>
-              <a:gdLst/>
-              <a:ahLst/>
-              <a:cxnLst/>
-              <a:rect l="l" t="t" r="r" b="b"/>
-              <a:pathLst>
-                <a:path w="2858013" h="6866467">
-                  <a:moveTo>
-                    <a:pt x="0" y="0"/>
-                  </a:moveTo>
-                  <a:lnTo>
-                    <a:pt x="2858013" y="0"/>
-                  </a:lnTo>
-                  <a:lnTo>
-                    <a:pt x="2858013" y="6866467"/>
-                  </a:lnTo>
-                  <a:lnTo>
-                    <a:pt x="2473942" y="6866467"/>
-                  </a:lnTo>
-                  <a:lnTo>
-                    <a:pt x="0" y="0"/>
-                  </a:lnTo>
-                  <a:close/>
-                </a:path>
-              </a:pathLst>
-            </a:custGeom>
-            <a:solidFill>
-              <a:schemeClr val="accent2">
-                <a:lumMod val="75000"/>
-                <a:alpha val="70000"/>
-              </a:schemeClr>
-            </a:solidFill>
-            <a:ln>
-              <a:noFill/>
-            </a:ln>
-            <a:effectLst/>
-          </p:spPr>
-          <p:style>
-            <a:lnRef idx="1">
-              <a:schemeClr val="accent1"/>
-            </a:lnRef>
-            <a:fillRef idx="3">
-              <a:schemeClr val="accent1"/>
-            </a:fillRef>
-            <a:effectRef idx="2">
-              <a:schemeClr val="accent1"/>
-            </a:effectRef>
-            <a:fontRef idx="minor">
-              <a:schemeClr val="lt1"/>
-            </a:fontRef>
-          </p:style>
-          <p:txBody>
-            <a:bodyPr/>
-            <a:lstStyle/>
-            <a:p>
-              <a:endParaRPr lang="fr-FR"/>
-            </a:p>
-          </p:txBody>
-        </p:sp>
-        <p:sp>
-          <p:nvSpPr>
-            <p:cNvPr id="16" name="Rectangle 28">
-              <a:extLst>
-                <a:ext uri="{FF2B5EF4-FFF2-40B4-BE49-F238E27FC236}">
-                  <a16:creationId xmlns:a16="http://schemas.microsoft.com/office/drawing/2014/main" id="{14EF979B-B00D-460C-BD56-7EEAFB7E0F98}"/>
-                </a:ext>
-                <a:ext uri="{C183D7F6-B498-43B3-948B-1728B52AA6E4}">
-                  <adec:decorative xmlns:adec="http://schemas.microsoft.com/office/drawing/2017/decorative" val="1"/>
-                </a:ext>
-              </a:extLst>
-            </p:cNvPr>
-            <p:cNvSpPr/>
-            <p:nvPr>
-              <p:extLst>
-                <p:ext uri="{386F3935-93C4-4BCD-93E2-E3B085C9AB24}">
-                  <p16:designElem xmlns:p16="http://schemas.microsoft.com/office/powerpoint/2015/main" val="1"/>
-                </p:ext>
-              </p:extLst>
-            </p:nvPr>
-          </p:nvSpPr>
-          <p:spPr>
-            <a:xfrm>
-              <a:off x="10898730" y="-8467"/>
-              <a:ext cx="1290094" cy="6866467"/>
-            </a:xfrm>
-            <a:custGeom>
-              <a:avLst/>
-              <a:gdLst/>
-              <a:ahLst/>
-              <a:cxnLst/>
-              <a:rect l="l" t="t" r="r" b="b"/>
-              <a:pathLst>
-                <a:path w="1290094" h="6858000">
-                  <a:moveTo>
-                    <a:pt x="1019735" y="0"/>
-                  </a:moveTo>
-                  <a:lnTo>
-                    <a:pt x="1290094" y="0"/>
-                  </a:lnTo>
-                  <a:lnTo>
-                    <a:pt x="1290094" y="6858000"/>
-                  </a:lnTo>
-                  <a:lnTo>
-                    <a:pt x="0" y="6858000"/>
-                  </a:lnTo>
-                  <a:lnTo>
-                    <a:pt x="1019735" y="0"/>
-                  </a:lnTo>
-                  <a:close/>
-                </a:path>
-              </a:pathLst>
-            </a:custGeom>
-            <a:solidFill>
-              <a:schemeClr val="accent1">
-                <a:lumMod val="60000"/>
-                <a:lumOff val="40000"/>
-                <a:alpha val="70000"/>
-              </a:schemeClr>
-            </a:solidFill>
-            <a:ln>
-              <a:noFill/>
-            </a:ln>
-            <a:effectLst/>
-          </p:spPr>
-          <p:style>
-            <a:lnRef idx="1">
-              <a:schemeClr val="accent1"/>
-            </a:lnRef>
-            <a:fillRef idx="3">
-              <a:schemeClr val="accent1"/>
-            </a:fillRef>
-            <a:effectRef idx="2">
-              <a:schemeClr val="accent1"/>
-            </a:effectRef>
-            <a:fontRef idx="minor">
-              <a:schemeClr val="lt1"/>
-            </a:fontRef>
-          </p:style>
-          <p:txBody>
-            <a:bodyPr/>
-            <a:lstStyle/>
-            <a:p>
-              <a:endParaRPr lang="fr-FR"/>
-            </a:p>
-          </p:txBody>
-        </p:sp>
-        <p:sp>
-          <p:nvSpPr>
-            <p:cNvPr id="17" name="Rectangle 29">
-              <a:extLst>
-                <a:ext uri="{FF2B5EF4-FFF2-40B4-BE49-F238E27FC236}">
-                  <a16:creationId xmlns:a16="http://schemas.microsoft.com/office/drawing/2014/main" id="{3E40F9A1-6B82-400F-9397-26D1D36F1F04}"/>
-                </a:ext>
-                <a:ext uri="{C183D7F6-B498-43B3-948B-1728B52AA6E4}">
-                  <adec:decorative xmlns:adec="http://schemas.microsoft.com/office/drawing/2017/decorative" val="1"/>
-                </a:ext>
-              </a:extLst>
-            </p:cNvPr>
-            <p:cNvSpPr/>
-            <p:nvPr>
-              <p:extLst>
-                <p:ext uri="{386F3935-93C4-4BCD-93E2-E3B085C9AB24}">
-                  <p16:designElem xmlns:p16="http://schemas.microsoft.com/office/powerpoint/2015/main" val="1"/>
-                </p:ext>
-              </p:extLst>
-            </p:nvPr>
-          </p:nvSpPr>
-          <p:spPr>
-            <a:xfrm>
-              <a:off x="10938999" y="-8467"/>
-              <a:ext cx="1249825" cy="6866467"/>
-            </a:xfrm>
-            <a:custGeom>
-              <a:avLst/>
-              <a:gdLst/>
-              <a:ahLst/>
-              <a:cxnLst/>
-              <a:rect l="l" t="t" r="r" b="b"/>
-              <a:pathLst>
-                <a:path w="1249825" h="6858000">
-                  <a:moveTo>
-                    <a:pt x="0" y="0"/>
-                  </a:moveTo>
-                  <a:lnTo>
-                    <a:pt x="1249825" y="0"/>
-                  </a:lnTo>
-                  <a:lnTo>
-                    <a:pt x="1249825" y="6858000"/>
-                  </a:lnTo>
-                  <a:lnTo>
-                    <a:pt x="1109382" y="6858000"/>
-                  </a:lnTo>
-                  <a:lnTo>
-                    <a:pt x="0" y="0"/>
-                  </a:lnTo>
-                  <a:close/>
-                </a:path>
-              </a:pathLst>
-            </a:custGeom>
-            <a:solidFill>
-              <a:schemeClr val="accent1">
-                <a:alpha val="65000"/>
-              </a:schemeClr>
-            </a:solidFill>
-            <a:ln>
-              <a:noFill/>
-            </a:ln>
-            <a:effectLst/>
-          </p:spPr>
-          <p:style>
-            <a:lnRef idx="1">
-              <a:schemeClr val="accent1"/>
-            </a:lnRef>
-            <a:fillRef idx="3">
-              <a:schemeClr val="accent1"/>
-            </a:fillRef>
-            <a:effectRef idx="2">
-              <a:schemeClr val="accent1"/>
-            </a:effectRef>
-            <a:fontRef idx="minor">
-              <a:schemeClr val="lt1"/>
-            </a:fontRef>
-          </p:style>
-          <p:txBody>
-            <a:bodyPr/>
-            <a:lstStyle/>
-            <a:p>
-              <a:endParaRPr lang="fr-FR"/>
-            </a:p>
-          </p:txBody>
-        </p:sp>
-        <p:sp>
-          <p:nvSpPr>
-            <p:cNvPr id="18" name="Isosceles Triangle 17">
-              <a:extLst>
-                <a:ext uri="{FF2B5EF4-FFF2-40B4-BE49-F238E27FC236}">
-                  <a16:creationId xmlns:a16="http://schemas.microsoft.com/office/drawing/2014/main" id="{2EF7DDF1-FF86-4CA4-B08B-8939557EBDB3}"/>
-                </a:ext>
-                <a:ext uri="{C183D7F6-B498-43B3-948B-1728B52AA6E4}">
-                  <adec:decorative xmlns:adec="http://schemas.microsoft.com/office/drawing/2017/decorative" val="1"/>
-                </a:ext>
-              </a:extLst>
-            </p:cNvPr>
-            <p:cNvSpPr/>
-            <p:nvPr>
-              <p:extLst>
-                <p:ext uri="{386F3935-93C4-4BCD-93E2-E3B085C9AB24}">
-                  <p16:designElem xmlns:p16="http://schemas.microsoft.com/office/powerpoint/2015/main" val="1"/>
-                </p:ext>
-              </p:extLst>
-            </p:nvPr>
-          </p:nvSpPr>
-          <p:spPr>
-            <a:xfrm>
-              <a:off x="10371666" y="3589867"/>
-              <a:ext cx="1817159" cy="3268133"/>
-            </a:xfrm>
-            <a:prstGeom prst="triangle">
-              <a:avLst>
-                <a:gd name="adj" fmla="val 100000"/>
-              </a:avLst>
-            </a:prstGeom>
-            <a:solidFill>
-              <a:schemeClr val="accent1">
-                <a:alpha val="80000"/>
-              </a:schemeClr>
-            </a:solidFill>
-            <a:ln>
-              <a:noFill/>
-            </a:ln>
-            <a:effectLst/>
-          </p:spPr>
-          <p:style>
-            <a:lnRef idx="1">
-              <a:schemeClr val="accent1"/>
-            </a:lnRef>
-            <a:fillRef idx="3">
-              <a:schemeClr val="accent1"/>
-            </a:fillRef>
-            <a:effectRef idx="2">
-              <a:schemeClr val="accent1"/>
-            </a:effectRef>
-            <a:fontRef idx="minor">
-              <a:schemeClr val="lt1"/>
-            </a:fontRef>
-          </p:style>
-          <p:txBody>
-            <a:bodyPr/>
-            <a:lstStyle/>
-            <a:p>
-              <a:endParaRPr lang="fr-FR"/>
-            </a:p>
-          </p:txBody>
-        </p:sp>
-        <p:sp>
-          <p:nvSpPr>
-            <p:cNvPr id="19" name="Isosceles Triangle 18">
-              <a:extLst>
-                <a:ext uri="{FF2B5EF4-FFF2-40B4-BE49-F238E27FC236}">
-                  <a16:creationId xmlns:a16="http://schemas.microsoft.com/office/drawing/2014/main" id="{6D7C1F89-72B2-4FDC-B9E2-04F52D5C504C}"/>
-                </a:ext>
-                <a:ext uri="{C183D7F6-B498-43B3-948B-1728B52AA6E4}">
-                  <adec:decorative xmlns:adec="http://schemas.microsoft.com/office/drawing/2017/decorative" val="1"/>
-                </a:ext>
-              </a:extLst>
-            </p:cNvPr>
-            <p:cNvSpPr/>
-            <p:nvPr>
-              <p:extLst>
-                <p:ext uri="{386F3935-93C4-4BCD-93E2-E3B085C9AB24}">
-                  <p16:designElem xmlns:p16="http://schemas.microsoft.com/office/powerpoint/2015/main" val="1"/>
-                </p:ext>
-              </p:extLst>
-            </p:nvPr>
-          </p:nvSpPr>
-          <p:spPr>
-            <a:xfrm>
-              <a:off x="0" y="4013200"/>
-              <a:ext cx="448733" cy="2844800"/>
-            </a:xfrm>
-            <a:prstGeom prst="triangle">
-              <a:avLst>
-                <a:gd name="adj" fmla="val 0"/>
-              </a:avLst>
-            </a:prstGeom>
-            <a:solidFill>
-              <a:schemeClr val="accent1">
-                <a:alpha val="85000"/>
-              </a:schemeClr>
-            </a:solidFill>
-            <a:ln>
-              <a:noFill/>
-            </a:ln>
-            <a:effectLst/>
-          </p:spPr>
-          <p:style>
-            <a:lnRef idx="1">
-              <a:schemeClr val="accent1"/>
-            </a:lnRef>
-            <a:fillRef idx="3">
-              <a:schemeClr val="accent1"/>
-            </a:fillRef>
-            <a:effectRef idx="2">
-              <a:schemeClr val="accent1"/>
-            </a:effectRef>
-            <a:fontRef idx="minor">
-              <a:schemeClr val="lt1"/>
-            </a:fontRef>
-          </p:style>
-          <p:txBody>
-            <a:bodyPr/>
-            <a:lstStyle/>
-            <a:p>
-              <a:endParaRPr lang="fr-FR"/>
-            </a:p>
-          </p:txBody>
-        </p:sp>
-      </p:grpSp>
-      <p:sp>
-        <p:nvSpPr>
-          <p:cNvPr id="2" name="Titre 1">
-            <a:extLst>
-              <a:ext uri="{FF2B5EF4-FFF2-40B4-BE49-F238E27FC236}">
-                <a16:creationId xmlns:a16="http://schemas.microsoft.com/office/drawing/2014/main" id="{BB486A34-59AE-600B-A2F3-9BA61F28A440}"/>
-              </a:ext>
-            </a:extLst>
-          </p:cNvPr>
-          <p:cNvSpPr>
-            <a:spLocks noGrp="1"/>
-          </p:cNvSpPr>
-          <p:nvPr>
-            <p:ph type="title"/>
-          </p:nvPr>
-        </p:nvSpPr>
-        <p:spPr>
-          <a:xfrm>
-            <a:off x="5536734" y="609600"/>
-            <a:ext cx="3737268" cy="1320800"/>
-          </a:xfrm>
-        </p:spPr>
-        <p:txBody>
-          <a:bodyPr vert="horz" lIns="91440" tIns="45720" rIns="91440" bIns="45720" rtlCol="0" anchor="t">
-            <a:normAutofit/>
-          </a:bodyPr>
-          <a:lstStyle/>
-          <a:p>
-            <a:r>
-              <a:rPr lang="en-US"/>
-              <a:t>Docker Compose</a:t>
-            </a:r>
-          </a:p>
-        </p:txBody>
-      </p:sp>
-      <p:sp>
-        <p:nvSpPr>
-          <p:cNvPr id="3" name="Espace réservé du texte 2">
-            <a:extLst>
-              <a:ext uri="{FF2B5EF4-FFF2-40B4-BE49-F238E27FC236}">
-                <a16:creationId xmlns:a16="http://schemas.microsoft.com/office/drawing/2014/main" id="{AA07B92F-7373-7D41-2DDF-2E7566ABDFE1}"/>
-              </a:ext>
-            </a:extLst>
-          </p:cNvPr>
-          <p:cNvSpPr>
-            <a:spLocks noGrp="1"/>
-          </p:cNvSpPr>
-          <p:nvPr>
-            <p:ph type="body" idx="1"/>
-          </p:nvPr>
-        </p:nvSpPr>
-        <p:spPr>
-          <a:xfrm>
-            <a:off x="5209563" y="2160589"/>
-            <a:ext cx="4064439" cy="3880773"/>
-          </a:xfrm>
-        </p:spPr>
-        <p:txBody>
-          <a:bodyPr vert="horz" lIns="91440" tIns="45720" rIns="91440" bIns="45720" rtlCol="0">
-            <a:normAutofit lnSpcReduction="10000"/>
-          </a:bodyPr>
-          <a:lstStyle/>
-          <a:p>
-            <a:pPr>
-              <a:lnSpc>
-                <a:spcPct val="90000"/>
-              </a:lnSpc>
-            </a:pPr>
-            <a:r>
-              <a:rPr lang="en-US" sz="1500"/>
-              <a:t>Un outil pour définir et gérer des applications multi-conteneurs</a:t>
-            </a:r>
-            <a:br>
-              <a:rPr lang="en-US" sz="1500"/>
-            </a:br>
-            <a:br>
-              <a:rPr lang="en-US" sz="1500"/>
-            </a:br>
-            <a:r>
-              <a:rPr lang="en-US" sz="1500"/>
-              <a:t>		version: '3.9’</a:t>
-            </a:r>
-          </a:p>
-          <a:p>
-            <a:pPr marL="800100" lvl="2" indent="0">
-              <a:lnSpc>
-                <a:spcPct val="90000"/>
-              </a:lnSpc>
-            </a:pPr>
-            <a:r>
-              <a:rPr lang="en-US" sz="1500"/>
-              <a:t>  services:</a:t>
-            </a:r>
-          </a:p>
-          <a:p>
-            <a:pPr marL="800100" lvl="2" indent="0">
-              <a:lnSpc>
-                <a:spcPct val="90000"/>
-              </a:lnSpc>
-            </a:pPr>
-            <a:r>
-              <a:rPr lang="en-US" sz="1500"/>
-              <a:t>    web:</a:t>
-            </a:r>
-          </a:p>
-          <a:p>
-            <a:pPr marL="800100" lvl="2" indent="0">
-              <a:lnSpc>
-                <a:spcPct val="90000"/>
-              </a:lnSpc>
-            </a:pPr>
-            <a:r>
-              <a:rPr lang="en-US" sz="1500"/>
-              <a:t>      image: nginx</a:t>
-            </a:r>
-          </a:p>
-          <a:p>
-            <a:pPr marL="800100" lvl="2" indent="0">
-              <a:lnSpc>
-                <a:spcPct val="90000"/>
-              </a:lnSpc>
-            </a:pPr>
-            <a:r>
-              <a:rPr lang="en-US" sz="1500"/>
-              <a:t>      ports:</a:t>
-            </a:r>
-          </a:p>
-          <a:p>
-            <a:pPr marL="800100" lvl="2" indent="0">
-              <a:lnSpc>
-                <a:spcPct val="90000"/>
-              </a:lnSpc>
-            </a:pPr>
-            <a:r>
-              <a:rPr lang="en-US" sz="1500"/>
-              <a:t>		- "80:80"  </a:t>
-            </a:r>
-          </a:p>
-          <a:p>
-            <a:pPr marL="800100" lvl="2" indent="0">
-              <a:lnSpc>
-                <a:spcPct val="90000"/>
-              </a:lnSpc>
-            </a:pPr>
-            <a:r>
-              <a:rPr lang="en-US" sz="1500"/>
-              <a:t>    db:</a:t>
-            </a:r>
-          </a:p>
-          <a:p>
-            <a:pPr marL="800100" lvl="2" indent="0">
-              <a:lnSpc>
-                <a:spcPct val="90000"/>
-              </a:lnSpc>
-            </a:pPr>
-            <a:r>
-              <a:rPr lang="en-US" sz="1500"/>
-              <a:t>      image: mysql</a:t>
-            </a:r>
-          </a:p>
-          <a:p>
-            <a:pPr marL="800100" lvl="2" indent="0">
-              <a:lnSpc>
-                <a:spcPct val="90000"/>
-              </a:lnSpc>
-            </a:pPr>
-            <a:r>
-              <a:rPr lang="en-US" sz="1500"/>
-              <a:t>      environment:</a:t>
-            </a:r>
-          </a:p>
-          <a:p>
-            <a:pPr marL="800100" lvl="2" indent="0">
-              <a:lnSpc>
-                <a:spcPct val="90000"/>
-              </a:lnSpc>
-            </a:pPr>
-            <a:r>
-              <a:rPr lang="en-US" sz="1500"/>
-              <a:t>        MYSQL_ROOT_PASSWORD: example</a:t>
-            </a:r>
-          </a:p>
-        </p:txBody>
-      </p:sp>
-      <p:pic>
-        <p:nvPicPr>
-          <p:cNvPr id="5" name="Picture 4" descr="Chariot à l’aide d’un conteneur sur le terrain">
-            <a:extLst>
-              <a:ext uri="{FF2B5EF4-FFF2-40B4-BE49-F238E27FC236}">
-                <a16:creationId xmlns:a16="http://schemas.microsoft.com/office/drawing/2014/main" id="{C20102A6-662D-BD3F-9B66-F86A6DFC1588}"/>
-              </a:ext>
-            </a:extLst>
-          </p:cNvPr>
-          <p:cNvPicPr>
-            <a:picLocks noChangeAspect="1"/>
-          </p:cNvPicPr>
-          <p:nvPr/>
-        </p:nvPicPr>
-        <p:blipFill>
-          <a:blip r:embed="rId2"/>
-          <a:srcRect l="14598" r="32891" b="-2"/>
-          <a:stretch/>
-        </p:blipFill>
-        <p:spPr>
-          <a:xfrm>
-            <a:off x="20" y="-1"/>
-            <a:ext cx="5394940" cy="6858001"/>
-          </a:xfrm>
-          <a:custGeom>
-            <a:avLst/>
-            <a:gdLst/>
-            <a:ahLst/>
-            <a:cxnLst/>
-            <a:rect l="l" t="t" r="r" b="b"/>
-            <a:pathLst>
-              <a:path w="5394960" h="6858000">
-                <a:moveTo>
-                  <a:pt x="842596" y="0"/>
-                </a:moveTo>
-                <a:lnTo>
-                  <a:pt x="5394960" y="0"/>
-                </a:lnTo>
-                <a:lnTo>
-                  <a:pt x="5394960" y="21851"/>
-                </a:lnTo>
-                <a:lnTo>
-                  <a:pt x="4365943" y="6858000"/>
-                </a:lnTo>
-                <a:lnTo>
-                  <a:pt x="0" y="6858000"/>
-                </a:lnTo>
-                <a:lnTo>
-                  <a:pt x="0" y="5666154"/>
-                </a:lnTo>
-                <a:close/>
-              </a:path>
-            </a:pathLst>
-          </a:custGeom>
-        </p:spPr>
-      </p:pic>
-      <p:sp>
-        <p:nvSpPr>
-          <p:cNvPr id="21" name="Isosceles Triangle 20">
-            <a:extLst>
-              <a:ext uri="{FF2B5EF4-FFF2-40B4-BE49-F238E27FC236}">
-                <a16:creationId xmlns:a16="http://schemas.microsoft.com/office/drawing/2014/main" id="{3BCB5F6A-9EB0-40B0-9D13-3023E9A20508}"/>
-              </a:ext>
-              <a:ext uri="{C183D7F6-B498-43B3-948B-1728B52AA6E4}">
-                <adec:decorative xmlns:adec="http://schemas.microsoft.com/office/drawing/2017/decorative" val="1"/>
-              </a:ext>
-            </a:extLst>
-          </p:cNvPr>
-          <p:cNvSpPr>
-            <a:spLocks noGrp="1" noRot="1" noChangeAspect="1" noMove="1" noResize="1" noEditPoints="1" noAdjustHandles="1" noChangeArrowheads="1" noChangeShapeType="1" noTextEdit="1"/>
-          </p:cNvSpPr>
-          <p:nvPr>
-            <p:extLst>
-              <p:ext uri="{386F3935-93C4-4BCD-93E2-E3B085C9AB24}">
-                <p16:designElem xmlns:p16="http://schemas.microsoft.com/office/powerpoint/2015/main" val="1"/>
-              </p:ext>
-            </p:extLst>
-          </p:nvPr>
-        </p:nvSpPr>
-        <p:spPr>
-          <a:xfrm rot="10800000">
-            <a:off x="0" y="0"/>
-            <a:ext cx="842596" cy="5666154"/>
-          </a:xfrm>
-          <a:prstGeom prst="triangle">
-            <a:avLst>
-              <a:gd name="adj" fmla="val 100000"/>
-            </a:avLst>
-          </a:prstGeom>
-          <a:solidFill>
-            <a:schemeClr val="accent1"/>
-          </a:solidFill>
-          <a:ln>
-            <a:noFill/>
-          </a:ln>
-          <a:effectLst/>
-        </p:spPr>
-        <p:style>
-          <a:lnRef idx="1">
-            <a:schemeClr val="accent1"/>
-          </a:lnRef>
-          <a:fillRef idx="3">
-            <a:schemeClr val="accent1"/>
-          </a:fillRef>
-          <a:effectRef idx="2">
-            <a:schemeClr val="accent1"/>
-          </a:effectRef>
-          <a:fontRef idx="minor">
-            <a:schemeClr val="lt1"/>
-          </a:fontRef>
-        </p:style>
-        <p:txBody>
-          <a:bodyPr/>
-          <a:lstStyle/>
-          <a:p>
-            <a:endParaRPr lang="fr-FR"/>
-          </a:p>
-        </p:txBody>
-      </p:sp>
-    </p:spTree>
-    <p:extLst>
-      <p:ext uri="{BB962C8B-B14F-4D97-AF65-F5344CB8AC3E}">
-        <p14:creationId xmlns:p14="http://schemas.microsoft.com/office/powerpoint/2010/main" val="2907399304"/>
-      </p:ext>
-    </p:extLst>
-  </p:cSld>
-  <p:clrMapOvr>
-    <a:overrideClrMapping bg1="dk1" tx1="lt1" bg2="dk2" tx2="lt2" accent1="accent1" accent2="accent2" accent3="accent3" accent4="accent4" accent5="accent5" accent6="accent6" hlink="hlink" folHlink="folHlink"/>
   </p:clrMapOvr>
 </p:sld>
 </file>

--- a/2 - Approche agile/1 - Cours/5 - Docker/Introduction à Docker.pptx
+++ b/2 - Approche agile/1 - Cours/5 - Docker/Introduction à Docker.pptx
@@ -846,7 +846,7 @@
           <a:p>
             <a:fld id="{11C2BCEB-DCF1-4AC9-86F1-A32C52FA4664}" type="datetimeFigureOut">
               <a:rPr lang="fr-FR" smtClean="0"/>
-              <a:t>03/02/2025</a:t>
+              <a:t>05/02/2025</a:t>
             </a:fld>
             <a:endParaRPr lang="fr-FR"/>
           </a:p>
@@ -1097,7 +1097,7 @@
           <a:p>
             <a:fld id="{11C2BCEB-DCF1-4AC9-86F1-A32C52FA4664}" type="datetimeFigureOut">
               <a:rPr lang="fr-FR" smtClean="0"/>
-              <a:t>03/02/2025</a:t>
+              <a:t>05/02/2025</a:t>
             </a:fld>
             <a:endParaRPr lang="fr-FR"/>
           </a:p>
@@ -1411,7 +1411,7 @@
           <a:p>
             <a:fld id="{11C2BCEB-DCF1-4AC9-86F1-A32C52FA4664}" type="datetimeFigureOut">
               <a:rPr lang="fr-FR" smtClean="0"/>
-              <a:t>03/02/2025</a:t>
+              <a:t>05/02/2025</a:t>
             </a:fld>
             <a:endParaRPr lang="fr-FR"/>
           </a:p>
@@ -1752,7 +1752,7 @@
           <a:p>
             <a:fld id="{11C2BCEB-DCF1-4AC9-86F1-A32C52FA4664}" type="datetimeFigureOut">
               <a:rPr lang="fr-FR" smtClean="0"/>
-              <a:t>03/02/2025</a:t>
+              <a:t>05/02/2025</a:t>
             </a:fld>
             <a:endParaRPr lang="fr-FR"/>
           </a:p>
@@ -2066,7 +2066,7 @@
           <a:p>
             <a:fld id="{11C2BCEB-DCF1-4AC9-86F1-A32C52FA4664}" type="datetimeFigureOut">
               <a:rPr lang="fr-FR" smtClean="0"/>
-              <a:t>03/02/2025</a:t>
+              <a:t>05/02/2025</a:t>
             </a:fld>
             <a:endParaRPr lang="fr-FR"/>
           </a:p>
@@ -2459,7 +2459,7 @@
           <a:p>
             <a:fld id="{11C2BCEB-DCF1-4AC9-86F1-A32C52FA4664}" type="datetimeFigureOut">
               <a:rPr lang="fr-FR" smtClean="0"/>
-              <a:t>03/02/2025</a:t>
+              <a:t>05/02/2025</a:t>
             </a:fld>
             <a:endParaRPr lang="fr-FR"/>
           </a:p>
@@ -2629,7 +2629,7 @@
           <a:p>
             <a:fld id="{11C2BCEB-DCF1-4AC9-86F1-A32C52FA4664}" type="datetimeFigureOut">
               <a:rPr lang="fr-FR" smtClean="0"/>
-              <a:t>03/02/2025</a:t>
+              <a:t>05/02/2025</a:t>
             </a:fld>
             <a:endParaRPr lang="fr-FR"/>
           </a:p>
@@ -2809,7 +2809,7 @@
           <a:p>
             <a:fld id="{11C2BCEB-DCF1-4AC9-86F1-A32C52FA4664}" type="datetimeFigureOut">
               <a:rPr lang="fr-FR" smtClean="0"/>
-              <a:t>03/02/2025</a:t>
+              <a:t>05/02/2025</a:t>
             </a:fld>
             <a:endParaRPr lang="fr-FR"/>
           </a:p>
@@ -2995,7 +2995,7 @@
           <a:p>
             <a:fld id="{11C2BCEB-DCF1-4AC9-86F1-A32C52FA4664}" type="datetimeFigureOut">
               <a:rPr lang="fr-FR" smtClean="0"/>
-              <a:t>03/02/2025</a:t>
+              <a:t>05/02/2025</a:t>
             </a:fld>
             <a:endParaRPr lang="fr-FR"/>
           </a:p>
@@ -3183,7 +3183,7 @@
           <a:p>
             <a:fld id="{11C2BCEB-DCF1-4AC9-86F1-A32C52FA4664}" type="datetimeFigureOut">
               <a:rPr lang="fr-FR" smtClean="0"/>
-              <a:t>03/02/2025</a:t>
+              <a:t>05/02/2025</a:t>
             </a:fld>
             <a:endParaRPr lang="fr-FR"/>
           </a:p>
@@ -3430,7 +3430,7 @@
           <a:p>
             <a:fld id="{11C2BCEB-DCF1-4AC9-86F1-A32C52FA4664}" type="datetimeFigureOut">
               <a:rPr lang="fr-FR" smtClean="0"/>
-              <a:t>03/02/2025</a:t>
+              <a:t>05/02/2025</a:t>
             </a:fld>
             <a:endParaRPr lang="fr-FR"/>
           </a:p>
@@ -3662,7 +3662,7 @@
           <a:p>
             <a:fld id="{11C2BCEB-DCF1-4AC9-86F1-A32C52FA4664}" type="datetimeFigureOut">
               <a:rPr lang="fr-FR" smtClean="0"/>
-              <a:t>03/02/2025</a:t>
+              <a:t>05/02/2025</a:t>
             </a:fld>
             <a:endParaRPr lang="fr-FR"/>
           </a:p>
@@ -4036,7 +4036,7 @@
           <a:p>
             <a:fld id="{11C2BCEB-DCF1-4AC9-86F1-A32C52FA4664}" type="datetimeFigureOut">
               <a:rPr lang="fr-FR" smtClean="0"/>
-              <a:t>03/02/2025</a:t>
+              <a:t>05/02/2025</a:t>
             </a:fld>
             <a:endParaRPr lang="fr-FR"/>
           </a:p>
@@ -4159,7 +4159,7 @@
           <a:p>
             <a:fld id="{11C2BCEB-DCF1-4AC9-86F1-A32C52FA4664}" type="datetimeFigureOut">
               <a:rPr lang="fr-FR" smtClean="0"/>
-              <a:t>03/02/2025</a:t>
+              <a:t>05/02/2025</a:t>
             </a:fld>
             <a:endParaRPr lang="fr-FR"/>
           </a:p>
@@ -4254,7 +4254,7 @@
           <a:p>
             <a:fld id="{11C2BCEB-DCF1-4AC9-86F1-A32C52FA4664}" type="datetimeFigureOut">
               <a:rPr lang="fr-FR" smtClean="0"/>
-              <a:t>03/02/2025</a:t>
+              <a:t>05/02/2025</a:t>
             </a:fld>
             <a:endParaRPr lang="fr-FR"/>
           </a:p>
@@ -4509,7 +4509,7 @@
           <a:p>
             <a:fld id="{11C2BCEB-DCF1-4AC9-86F1-A32C52FA4664}" type="datetimeFigureOut">
               <a:rPr lang="fr-FR" smtClean="0"/>
-              <a:t>03/02/2025</a:t>
+              <a:t>05/02/2025</a:t>
             </a:fld>
             <a:endParaRPr lang="fr-FR"/>
           </a:p>
@@ -4772,7 +4772,7 @@
           <a:p>
             <a:fld id="{11C2BCEB-DCF1-4AC9-86F1-A32C52FA4664}" type="datetimeFigureOut">
               <a:rPr lang="fr-FR" smtClean="0"/>
-              <a:t>03/02/2025</a:t>
+              <a:t>05/02/2025</a:t>
             </a:fld>
             <a:endParaRPr lang="fr-FR"/>
           </a:p>
@@ -5515,7 +5515,7 @@
           <a:p>
             <a:fld id="{11C2BCEB-DCF1-4AC9-86F1-A32C52FA4664}" type="datetimeFigureOut">
               <a:rPr lang="fr-FR" smtClean="0"/>
-              <a:t>03/02/2025</a:t>
+              <a:t>05/02/2025</a:t>
             </a:fld>
             <a:endParaRPr lang="fr-FR"/>
           </a:p>
@@ -18760,7 +18760,7 @@
         </p:blipFill>
         <p:spPr>
           <a:xfrm>
-            <a:off x="1746253" y="3358383"/>
+            <a:off x="677334" y="3074353"/>
             <a:ext cx="3939644" cy="3138436"/>
           </a:xfrm>
           <a:prstGeom prst="rect">
